--- a/PowerPoint/構造モデル.pptx
+++ b/PowerPoint/構造モデル.pptx
@@ -12,7 +12,7 @@
     <p:handoutMasterId r:id="rId5"/>
   </p:handoutMasterIdLst>
   <p:sldIdLst>
-    <p:sldId id="282" r:id="rId3"/>
+    <p:sldId id="283" r:id="rId3"/>
   </p:sldIdLst>
   <p:sldSz cx="12801600" cy="9601200" type="A3"/>
   <p:notesSz cx="9990138" cy="14374813"/>
@@ -149,7 +149,7 @@
         </p14:section>
         <p14:section name="モデル図ページ（プライマリークラス）" id="{8B2B3982-7BAC-4EE5-974E-E0EE0719EC85}">
           <p14:sldIdLst>
-            <p14:sldId id="282"/>
+            <p14:sldId id="283"/>
           </p14:sldIdLst>
         </p14:section>
       </p14:sectionLst>
@@ -2448,7 +2448,7 @@
         </p:nvSpPr>
         <p:spPr>
           <a:xfrm>
-            <a:off x="460935" y="276162"/>
+            <a:off x="701927" y="258118"/>
             <a:ext cx="1215249" cy="430887"/>
           </a:xfrm>
           <a:prstGeom prst="rect">
@@ -2514,46 +2514,6 @@
                 <a:ea typeface="HG創英角ｺﾞｼｯｸUB" panose="020B0909000000000000" pitchFamily="49" charset="-128"/>
                 <a:cs typeface="+mn-cs"/>
               </a:rPr>
-              <a:t>１</a:t>
-            </a:r>
-            <a:r>
-              <a:rPr kumimoji="1" lang="en-US" altLang="ja-JP" sz="2200" b="1" i="0" u="none" strike="noStrike" kern="1200" cap="none" spc="0" normalizeH="0" baseline="0" noProof="0" dirty="0">
-                <a:ln>
-                  <a:noFill/>
-                </a:ln>
-                <a:solidFill>
-                  <a:srgbClr val="70AD47">
-                    <a:lumMod val="60000"/>
-                    <a:lumOff val="40000"/>
-                  </a:srgbClr>
-                </a:solidFill>
-                <a:effectLst/>
-                <a:uLnTx/>
-                <a:uFillTx/>
-                <a:latin typeface="HG創英角ｺﾞｼｯｸUB" panose="020B0909000000000000" pitchFamily="49" charset="-128"/>
-                <a:ea typeface="HG創英角ｺﾞｼｯｸUB" panose="020B0909000000000000" pitchFamily="49" charset="-128"/>
-                <a:cs typeface="+mn-cs"/>
-              </a:rPr>
-              <a:t>.</a:t>
-            </a:r>
-            <a:r>
-              <a:rPr kumimoji="1" lang="ja-JP" altLang="en-US" sz="2200" b="0" i="0" u="none" strike="noStrike" kern="1200" cap="none" spc="0" normalizeH="0" baseline="0" noProof="0" dirty="0">
-                <a:ln>
-                  <a:noFill/>
-                </a:ln>
-                <a:solidFill>
-                  <a:srgbClr val="70AD47">
-                    <a:lumMod val="60000"/>
-                    <a:lumOff val="40000"/>
-                  </a:srgbClr>
-                </a:solidFill>
-                <a:effectLst/>
-                <a:uLnTx/>
-                <a:uFillTx/>
-                <a:latin typeface="HG創英角ｺﾞｼｯｸUB" panose="020B0909000000000000" pitchFamily="49" charset="-128"/>
-                <a:ea typeface="HG創英角ｺﾞｼｯｸUB" panose="020B0909000000000000" pitchFamily="49" charset="-128"/>
-                <a:cs typeface="+mn-cs"/>
-              </a:rPr>
               <a:t>機能</a:t>
             </a:r>
             <a:endParaRPr kumimoji="1" lang="en-US" altLang="ja-JP" sz="2200" b="0" i="0" u="none" strike="noStrike" kern="1200" cap="none" spc="0" normalizeH="0" baseline="0" noProof="0" dirty="0">
@@ -2590,8 +2550,8 @@
         </p:nvSpPr>
         <p:spPr>
           <a:xfrm>
-            <a:off x="2493371" y="104631"/>
-            <a:ext cx="1210912" cy="430887"/>
+            <a:off x="2758108" y="147080"/>
+            <a:ext cx="763530" cy="430887"/>
           </a:xfrm>
           <a:prstGeom prst="rect">
             <a:avLst/>
@@ -2644,41 +2604,7 @@
                   <a:noFill/>
                 </a:ln>
                 <a:solidFill>
-                  <a:schemeClr val="bg1"/>
-                </a:solidFill>
-                <a:effectLst/>
-                <a:uLnTx/>
-                <a:uFillTx/>
-                <a:latin typeface="HG創英角ｺﾞｼｯｸUB" panose="020B0909000000000000" pitchFamily="49" charset="-128"/>
-                <a:ea typeface="HG創英角ｺﾞｼｯｸUB" panose="020B0909000000000000" pitchFamily="49" charset="-128"/>
-                <a:cs typeface="+mn-cs"/>
-              </a:rPr>
-              <a:t>２</a:t>
-            </a:r>
-            <a:r>
-              <a:rPr kumimoji="1" lang="en-US" altLang="ja-JP" sz="2200" b="1" i="0" u="none" strike="noStrike" kern="1200" cap="none" spc="0" normalizeH="0" baseline="0" noProof="0" dirty="0">
-                <a:ln>
-                  <a:noFill/>
-                </a:ln>
-                <a:solidFill>
-                  <a:schemeClr val="bg1"/>
-                </a:solidFill>
-                <a:effectLst/>
-                <a:uLnTx/>
-                <a:uFillTx/>
-                <a:latin typeface="HG創英角ｺﾞｼｯｸUB" panose="020B0909000000000000" pitchFamily="49" charset="-128"/>
-                <a:ea typeface="HG創英角ｺﾞｼｯｸUB" panose="020B0909000000000000" pitchFamily="49" charset="-128"/>
-                <a:cs typeface="+mn-cs"/>
-              </a:rPr>
-              <a:t>.</a:t>
-            </a:r>
-            <a:r>
-              <a:rPr kumimoji="1" lang="ja-JP" altLang="en-US" sz="2200" b="0" i="0" u="none" strike="noStrike" kern="1200" cap="none" spc="0" normalizeH="0" baseline="0" noProof="0" dirty="0">
-                <a:ln>
-                  <a:noFill/>
-                </a:ln>
-                <a:solidFill>
-                  <a:schemeClr val="bg1"/>
+                  <a:prstClr val="white"/>
                 </a:solidFill>
                 <a:effectLst/>
                 <a:uLnTx/>
@@ -2694,7 +2620,7 @@
                 <a:noFill/>
               </a:ln>
               <a:solidFill>
-                <a:schemeClr val="bg1"/>
+                <a:prstClr val="white"/>
               </a:solidFill>
               <a:effectLst/>
               <a:uLnTx/>
@@ -2720,7 +2646,7 @@
         </p:nvSpPr>
         <p:spPr>
           <a:xfrm>
-            <a:off x="4127240" y="249868"/>
+            <a:off x="4384800" y="258118"/>
             <a:ext cx="2016000" cy="446276"/>
           </a:xfrm>
           <a:prstGeom prst="rect">
@@ -2786,60 +2712,7 @@
                 <a:ea typeface="HG創英角ｺﾞｼｯｸUB" panose="020B0909000000000000" pitchFamily="49" charset="-128"/>
                 <a:cs typeface="+mn-cs"/>
               </a:rPr>
-              <a:t>３</a:t>
-            </a:r>
-            <a:r>
-              <a:rPr kumimoji="1" lang="en-US" altLang="ja-JP" sz="2200" b="1" i="0" u="none" strike="noStrike" kern="1200" cap="none" spc="0" normalizeH="0" baseline="0" noProof="0" dirty="0">
-                <a:ln>
-                  <a:noFill/>
-                </a:ln>
-                <a:solidFill>
-                  <a:srgbClr val="70AD47">
-                    <a:lumMod val="60000"/>
-                    <a:lumOff val="40000"/>
-                  </a:srgbClr>
-                </a:solidFill>
-                <a:effectLst/>
-                <a:uLnTx/>
-                <a:uFillTx/>
-                <a:latin typeface="HG創英角ｺﾞｼｯｸUB" panose="020B0909000000000000" pitchFamily="49" charset="-128"/>
-                <a:ea typeface="HG創英角ｺﾞｼｯｸUB" panose="020B0909000000000000" pitchFamily="49" charset="-128"/>
-                <a:cs typeface="+mn-cs"/>
-              </a:rPr>
-              <a:t>.</a:t>
-            </a:r>
-            <a:r>
-              <a:rPr kumimoji="1" lang="ja-JP" altLang="en-US" sz="2200" b="0" i="0" u="none" strike="noStrike" kern="1200" cap="none" spc="0" normalizeH="0" baseline="0" noProof="0" dirty="0">
-                <a:ln>
-                  <a:noFill/>
-                </a:ln>
-                <a:solidFill>
-                  <a:srgbClr val="70AD47">
-                    <a:lumMod val="60000"/>
-                    <a:lumOff val="40000"/>
-                  </a:srgbClr>
-                </a:solidFill>
-                <a:effectLst/>
-                <a:uLnTx/>
-                <a:uFillTx/>
-                <a:latin typeface="HG創英角ｺﾞｼｯｸUB" panose="020B0909000000000000" pitchFamily="49" charset="-128"/>
-                <a:ea typeface="HG創英角ｺﾞｼｯｸUB" panose="020B0909000000000000" pitchFamily="49" charset="-128"/>
-                <a:cs typeface="+mn-cs"/>
-              </a:rPr>
-              <a:t>振る舞い</a:t>
-            </a:r>
-            <a:r>
-              <a:rPr lang="ja-JP" altLang="en-US" sz="2200" dirty="0">
-                <a:solidFill>
-                  <a:srgbClr val="70AD47">
-                    <a:lumMod val="60000"/>
-                    <a:lumOff val="40000"/>
-                  </a:srgbClr>
-                </a:solidFill>
-                <a:latin typeface="HG創英角ｺﾞｼｯｸUB" panose="020B0909000000000000" pitchFamily="49" charset="-128"/>
-                <a:ea typeface="HG創英角ｺﾞｼｯｸUB" panose="020B0909000000000000" pitchFamily="49" charset="-128"/>
-              </a:rPr>
-              <a:t>①</a:t>
+              <a:t>振る舞い①</a:t>
             </a:r>
             <a:endParaRPr kumimoji="1" lang="en-US" altLang="ja-JP" sz="2200" b="0" i="0" u="none" strike="noStrike" kern="1200" cap="none" spc="0" normalizeH="0" baseline="0" noProof="0" dirty="0">
               <a:ln>
@@ -2875,7 +2748,7 @@
         </p:nvSpPr>
         <p:spPr>
           <a:xfrm>
-            <a:off x="8402087" y="265257"/>
+            <a:off x="8642047" y="255566"/>
             <a:ext cx="1512758" cy="430887"/>
           </a:xfrm>
           <a:prstGeom prst="rect">
@@ -2941,46 +2814,6 @@
                 <a:ea typeface="HG創英角ｺﾞｼｯｸUB" panose="020B0909000000000000" pitchFamily="49" charset="-128"/>
                 <a:cs typeface="+mn-cs"/>
               </a:rPr>
-              <a:t>４</a:t>
-            </a:r>
-            <a:r>
-              <a:rPr kumimoji="1" lang="en-US" altLang="ja-JP" sz="2200" b="1" i="0" u="none" strike="noStrike" kern="1200" cap="none" spc="0" normalizeH="0" baseline="0" noProof="0" dirty="0">
-                <a:ln>
-                  <a:noFill/>
-                </a:ln>
-                <a:solidFill>
-                  <a:srgbClr val="70AD47">
-                    <a:lumMod val="60000"/>
-                    <a:lumOff val="40000"/>
-                  </a:srgbClr>
-                </a:solidFill>
-                <a:effectLst/>
-                <a:uLnTx/>
-                <a:uFillTx/>
-                <a:latin typeface="HG創英角ｺﾞｼｯｸUB" panose="020B0909000000000000" pitchFamily="49" charset="-128"/>
-                <a:ea typeface="HG創英角ｺﾞｼｯｸUB" panose="020B0909000000000000" pitchFamily="49" charset="-128"/>
-                <a:cs typeface="+mn-cs"/>
-              </a:rPr>
-              <a:t>.</a:t>
-            </a:r>
-            <a:r>
-              <a:rPr kumimoji="1" lang="ja-JP" altLang="en-US" sz="2200" b="0" i="0" u="none" strike="noStrike" kern="1200" cap="none" spc="0" normalizeH="0" baseline="0" noProof="0" dirty="0">
-                <a:ln>
-                  <a:noFill/>
-                </a:ln>
-                <a:solidFill>
-                  <a:srgbClr val="70AD47">
-                    <a:lumMod val="60000"/>
-                    <a:lumOff val="40000"/>
-                  </a:srgbClr>
-                </a:solidFill>
-                <a:effectLst/>
-                <a:uLnTx/>
-                <a:uFillTx/>
-                <a:latin typeface="HG創英角ｺﾞｼｯｸUB" panose="020B0909000000000000" pitchFamily="49" charset="-128"/>
-                <a:ea typeface="HG創英角ｺﾞｼｯｸUB" panose="020B0909000000000000" pitchFamily="49" charset="-128"/>
-                <a:cs typeface="+mn-cs"/>
-              </a:rPr>
               <a:t>工夫点</a:t>
             </a:r>
             <a:endParaRPr kumimoji="1" lang="en-US" altLang="ja-JP" sz="2200" b="0" i="0" u="none" strike="noStrike" kern="1200" cap="none" spc="0" normalizeH="0" baseline="0" noProof="0" dirty="0">
@@ -3017,7 +2850,7 @@
         </p:nvSpPr>
         <p:spPr>
           <a:xfrm>
-            <a:off x="96930" y="696144"/>
+            <a:off x="100800" y="657554"/>
             <a:ext cx="12600000" cy="8856984"/>
           </a:xfrm>
           <a:prstGeom prst="rect">
@@ -3130,12 +2963,49 @@
                 <a:solidFill>
                   <a:prstClr val="black"/>
                 </a:solidFill>
-                <a:latin typeface="+mn-ea"/>
-                <a:ea typeface="+mn-ea"/>
+                <a:latin typeface="游ゴシック" panose="020B0400000000000000" pitchFamily="50" charset="-128"/>
+                <a:ea typeface="游ゴシック" panose="020B0400000000000000" pitchFamily="50" charset="-128"/>
               </a:rPr>
-              <a:t>１．パッケージ化</a:t>
+              <a:t>１</a:t>
             </a:r>
-            <a:endParaRPr kumimoji="1" lang="ja-JP" altLang="en-US" b="0" i="0" u="none" strike="noStrike" kern="1200" cap="none" spc="0" normalizeH="0" baseline="0" noProof="0" dirty="0">
+            <a:r>
+              <a:rPr lang="en-US" altLang="ja-JP" b="1" dirty="0">
+                <a:solidFill>
+                  <a:prstClr val="black"/>
+                </a:solidFill>
+                <a:latin typeface="游ゴシック" panose="020B0400000000000000" pitchFamily="50" charset="-128"/>
+                <a:ea typeface="游ゴシック" panose="020B0400000000000000" pitchFamily="50" charset="-128"/>
+              </a:rPr>
+              <a:t>.</a:t>
+            </a:r>
+            <a:r>
+              <a:rPr lang="ja-JP" altLang="en-US" b="1" dirty="0">
+                <a:solidFill>
+                  <a:prstClr val="black"/>
+                </a:solidFill>
+                <a:latin typeface="游ゴシック" panose="020B0400000000000000" pitchFamily="50" charset="-128"/>
+                <a:ea typeface="游ゴシック" panose="020B0400000000000000" pitchFamily="50" charset="-128"/>
+              </a:rPr>
+              <a:t> </a:t>
+            </a:r>
+            <a:r>
+              <a:rPr kumimoji="1" lang="ja-JP" altLang="en-US" sz="1600" b="1" i="0" u="none" strike="noStrike" kern="1200" cap="none" spc="0" normalizeH="0" baseline="0" noProof="0" dirty="0">
+                <a:ln>
+                  <a:noFill/>
+                </a:ln>
+                <a:solidFill>
+                  <a:prstClr val="black"/>
+                </a:solidFill>
+                <a:effectLst/>
+                <a:uLnTx/>
+                <a:uFillTx/>
+                <a:latin typeface="游ゴシック" panose="020B0400000000000000" pitchFamily="50" charset="-128"/>
+                <a:ea typeface="游ゴシック" panose="020B0400000000000000" pitchFamily="50" charset="-128"/>
+                <a:cs typeface="+mn-cs"/>
+              </a:rPr>
+              <a:t>パッケージ化</a:t>
+            </a:r>
+            <a:endParaRPr kumimoji="1" lang="ja-JP" altLang="en-US" sz="1600" b="0" i="0" u="none" strike="noStrike" kern="1200" cap="none" spc="0" normalizeH="0" baseline="0" noProof="0" dirty="0">
               <a:ln>
                 <a:noFill/>
               </a:ln>
@@ -3145,8 +3015,8 @@
               <a:effectLst/>
               <a:uLnTx/>
               <a:uFillTx/>
-              <a:latin typeface="+mn-ea"/>
-              <a:ea typeface="+mn-ea"/>
+              <a:latin typeface="游ゴシック" panose="020B0400000000000000" pitchFamily="50" charset="-128"/>
+              <a:ea typeface="游ゴシック" panose="020B0400000000000000" pitchFamily="50" charset="-128"/>
               <a:cs typeface="+mn-cs"/>
             </a:endParaRPr>
           </a:p>
@@ -3167,7 +3037,7 @@
         <p:spPr>
           <a:xfrm>
             <a:off x="171011" y="1056184"/>
-            <a:ext cx="7329343" cy="253916"/>
+            <a:ext cx="8625786" cy="415498"/>
           </a:xfrm>
           <a:prstGeom prst="rect">
             <a:avLst/>
@@ -3210,8 +3080,19 @@
                 <a:uFillTx/>
                 <a:latin typeface="メイリオ" panose="020B0604030504040204" pitchFamily="50" charset="-128"/>
                 <a:ea typeface="メイリオ" panose="020B0604030504040204" pitchFamily="50" charset="-128"/>
+                <a:cs typeface="+mn-cs"/>
               </a:rPr>
-              <a:t>機能を構造によって階層化したものパッケージ構造に、各パッケージの役割を説明したものを表に示す。</a:t>
+              <a:t>機能モデルで定義した部品を役割ごとにパッケージ化した．パッケージ間の関係をパッケージ図に，各パッケージの役割を表に示す．なお，パッケージ図内に紫色のラベルで示したアルファベットは機能モデルの部品定義の</a:t>
+            </a:r>
+            <a:r>
+              <a:rPr lang="ja-JP" altLang="en-US" sz="1050" dirty="0">
+                <a:solidFill>
+                  <a:prstClr val="black"/>
+                </a:solidFill>
+                <a:latin typeface="メイリオ" panose="020B0604030504040204" pitchFamily="50" charset="-128"/>
+                <a:ea typeface="メイリオ" panose="020B0604030504040204" pitchFamily="50" charset="-128"/>
+              </a:rPr>
+              <a:t>インデックスと対応している．</a:t>
             </a:r>
             <a:endParaRPr kumimoji="1" lang="en-US" altLang="ja-JP" sz="1050" b="0" i="0" u="none" strike="noStrike" kern="1200" cap="none" spc="0" normalizeH="0" baseline="0" noProof="0" dirty="0">
               <a:ln>
@@ -3225,6 +3106,7 @@
               <a:uFillTx/>
               <a:latin typeface="メイリオ" panose="020B0604030504040204" pitchFamily="50" charset="-128"/>
               <a:ea typeface="メイリオ" panose="020B0604030504040204" pitchFamily="50" charset="-128"/>
+              <a:cs typeface="+mn-cs"/>
             </a:endParaRPr>
           </a:p>
         </p:txBody>
@@ -3244,14 +3126,14 @@
           <p:nvPr>
             <p:extLst>
               <p:ext uri="{D42A27DB-BD31-4B8C-83A1-F6EECF244321}">
-                <p14:modId xmlns:p14="http://schemas.microsoft.com/office/powerpoint/2010/main" val="2617251207"/>
+                <p14:modId xmlns:p14="http://schemas.microsoft.com/office/powerpoint/2010/main" val="1263370829"/>
               </p:ext>
             </p:extLst>
           </p:nvPr>
         </p:nvGraphicFramePr>
         <p:xfrm>
-          <a:off x="3476679" y="1471478"/>
-          <a:ext cx="5381846" cy="1864510"/>
+          <a:off x="3873593" y="1471478"/>
+          <a:ext cx="4984932" cy="1903088"/>
         </p:xfrm>
         <a:graphic>
           <a:graphicData uri="http://schemas.openxmlformats.org/drawingml/2006/table">
@@ -3260,14 +3142,21 @@
                 <a:tableStyleId>{93296810-A885-4BE3-A3E7-6D5BEEA58F35}</a:tableStyleId>
               </a:tblPr>
               <a:tblGrid>
-                <a:gridCol w="1306184">
+                <a:gridCol w="438975">
+                  <a:extLst>
+                    <a:ext uri="{9D8B030D-6E8A-4147-A177-3AD203B41FA5}">
+                      <a16:colId xmlns:a16="http://schemas.microsoft.com/office/drawing/2014/main" val="343939788"/>
+                    </a:ext>
+                  </a:extLst>
+                </a:gridCol>
+                <a:gridCol w="864096">
                   <a:extLst>
                     <a:ext uri="{9D8B030D-6E8A-4147-A177-3AD203B41FA5}">
                       <a16:colId xmlns:a16="http://schemas.microsoft.com/office/drawing/2014/main" val="188478114"/>
                     </a:ext>
                   </a:extLst>
                 </a:gridCol>
-                <a:gridCol w="4075662">
+                <a:gridCol w="3681861">
                   <a:extLst>
                     <a:ext uri="{9D8B030D-6E8A-4147-A177-3AD203B41FA5}">
                       <a16:colId xmlns:a16="http://schemas.microsoft.com/office/drawing/2014/main" val="543803565"/>
@@ -3276,6 +3165,17 @@
                 </a:gridCol>
               </a:tblGrid>
               <a:tr h="372902">
+                <a:tc>
+                  <a:txBody>
+                    <a:bodyPr/>
+                    <a:lstStyle/>
+                    <a:p>
+                      <a:pPr algn="ctr"/>
+                      <a:endParaRPr kumimoji="1" lang="ja-JP" altLang="en-US" sz="1050" dirty="0"/>
+                    </a:p>
+                  </a:txBody>
+                  <a:tcPr anchor="ctr"/>
+                </a:tc>
                 <a:tc>
                   <a:txBody>
                     <a:bodyPr/>
@@ -3318,6 +3218,31 @@
                     <a:p>
                       <a:pPr algn="ctr"/>
                       <a:r>
+                        <a:rPr kumimoji="1" lang="en-US" altLang="ja-JP" sz="1050" dirty="0">
+                          <a:latin typeface="メイリオ" panose="020B0604030504040204" pitchFamily="50" charset="-128"/>
+                          <a:ea typeface="メイリオ" panose="020B0604030504040204" pitchFamily="50" charset="-128"/>
+                        </a:rPr>
+                        <a:t>M</a:t>
+                      </a:r>
+                      <a:endParaRPr kumimoji="1" lang="ja-JP" altLang="en-US" sz="1050" dirty="0">
+                        <a:latin typeface="メイリオ" panose="020B0604030504040204" pitchFamily="50" charset="-128"/>
+                        <a:ea typeface="メイリオ" panose="020B0604030504040204" pitchFamily="50" charset="-128"/>
+                      </a:endParaRPr>
+                    </a:p>
+                  </a:txBody>
+                  <a:tcPr anchor="ctr">
+                    <a:solidFill>
+                      <a:srgbClr val="FFCCCC"/>
+                    </a:solidFill>
+                  </a:tcPr>
+                </a:tc>
+                <a:tc>
+                  <a:txBody>
+                    <a:bodyPr/>
+                    <a:lstStyle/>
+                    <a:p>
+                      <a:pPr algn="ctr"/>
+                      <a:r>
                         <a:rPr kumimoji="1" lang="ja-JP" altLang="en-US" sz="1050" dirty="0">
                           <a:latin typeface="メイリオ" panose="020B0604030504040204" pitchFamily="50" charset="-128"/>
                           <a:ea typeface="メイリオ" panose="020B0604030504040204" pitchFamily="50" charset="-128"/>
@@ -3343,7 +3268,7 @@
                           <a:latin typeface="メイリオ" panose="020B0604030504040204" pitchFamily="50" charset="-128"/>
                           <a:ea typeface="メイリオ" panose="020B0604030504040204" pitchFamily="50" charset="-128"/>
                         </a:rPr>
-                        <a:t>スタート、キャリブレーションの実行、走行に関する指示をする。</a:t>
+                        <a:t>走行に関する統括をする</a:t>
                       </a:r>
                       <a:endParaRPr kumimoji="1" lang="en-US" altLang="ja-JP" sz="1050" dirty="0">
                         <a:latin typeface="メイリオ" panose="020B0604030504040204" pitchFamily="50" charset="-128"/>
@@ -3364,6 +3289,27 @@
                 </a:extLst>
               </a:tr>
               <a:tr h="372902">
+                <a:tc>
+                  <a:txBody>
+                    <a:bodyPr/>
+                    <a:lstStyle/>
+                    <a:p>
+                      <a:pPr algn="ctr"/>
+                      <a:r>
+                        <a:rPr kumimoji="1" lang="en-US" altLang="ja-JP" sz="1050" dirty="0">
+                          <a:latin typeface="メイリオ" panose="020B0604030504040204" pitchFamily="50" charset="-128"/>
+                          <a:ea typeface="メイリオ" panose="020B0604030504040204" pitchFamily="50" charset="-128"/>
+                        </a:rPr>
+                        <a:t>C</a:t>
+                      </a:r>
+                    </a:p>
+                  </a:txBody>
+                  <a:tcPr anchor="ctr">
+                    <a:solidFill>
+                      <a:srgbClr val="FFFFCC"/>
+                    </a:solidFill>
+                  </a:tcPr>
+                </a:tc>
                 <a:tc>
                   <a:txBody>
                     <a:bodyPr/>
@@ -3400,7 +3346,7 @@
                           <a:latin typeface="メイリオ" panose="020B0604030504040204" pitchFamily="50" charset="-128"/>
                           <a:ea typeface="メイリオ" panose="020B0604030504040204" pitchFamily="50" charset="-128"/>
                         </a:rPr>
-                        <a:t>走行区間に応じて、走行制御、処理を行う。</a:t>
+                        <a:t>走行区間に応じて，走行制御処理を行う</a:t>
                       </a:r>
                     </a:p>
                   </a:txBody>
@@ -3417,6 +3363,31 @@
                 </a:extLst>
               </a:tr>
               <a:tr h="372902">
+                <a:tc>
+                  <a:txBody>
+                    <a:bodyPr/>
+                    <a:lstStyle/>
+                    <a:p>
+                      <a:pPr algn="ctr"/>
+                      <a:r>
+                        <a:rPr kumimoji="1" lang="en-US" altLang="ja-JP" sz="1050" dirty="0">
+                          <a:latin typeface="メイリオ" panose="020B0604030504040204" pitchFamily="50" charset="-128"/>
+                          <a:ea typeface="メイリオ" panose="020B0604030504040204" pitchFamily="50" charset="-128"/>
+                        </a:rPr>
+                        <a:t>I</a:t>
+                      </a:r>
+                      <a:endParaRPr kumimoji="1" lang="ja-JP" altLang="en-US" sz="1050" dirty="0">
+                        <a:latin typeface="メイリオ" panose="020B0604030504040204" pitchFamily="50" charset="-128"/>
+                        <a:ea typeface="メイリオ" panose="020B0604030504040204" pitchFamily="50" charset="-128"/>
+                      </a:endParaRPr>
+                    </a:p>
+                  </a:txBody>
+                  <a:tcPr anchor="ctr">
+                    <a:solidFill>
+                      <a:srgbClr val="CCFFCC"/>
+                    </a:solidFill>
+                  </a:tcPr>
+                </a:tc>
                 <a:tc>
                   <a:txBody>
                     <a:bodyPr/>
@@ -3449,7 +3420,7 @@
                           <a:latin typeface="メイリオ" panose="020B0604030504040204" pitchFamily="50" charset="-128"/>
                           <a:ea typeface="メイリオ" panose="020B0604030504040204" pitchFamily="50" charset="-128"/>
                         </a:rPr>
-                        <a:t>デバイスを参照してデータを管理、ほかのパッケージに受け渡す。</a:t>
+                        <a:t>デバイスを参照してデータを管理，ほかのパッケージに受け渡す</a:t>
                       </a:r>
                     </a:p>
                   </a:txBody>
@@ -3466,6 +3437,31 @@
                 </a:extLst>
               </a:tr>
               <a:tr h="372902">
+                <a:tc>
+                  <a:txBody>
+                    <a:bodyPr/>
+                    <a:lstStyle/>
+                    <a:p>
+                      <a:pPr algn="ctr"/>
+                      <a:r>
+                        <a:rPr kumimoji="1" lang="en-US" altLang="ja-JP" sz="1050" dirty="0">
+                          <a:latin typeface="メイリオ" panose="020B0604030504040204" pitchFamily="50" charset="-128"/>
+                          <a:ea typeface="メイリオ" panose="020B0604030504040204" pitchFamily="50" charset="-128"/>
+                        </a:rPr>
+                        <a:t>D</a:t>
+                      </a:r>
+                      <a:endParaRPr kumimoji="1" lang="ja-JP" altLang="en-US" sz="1050" dirty="0">
+                        <a:latin typeface="メイリオ" panose="020B0604030504040204" pitchFamily="50" charset="-128"/>
+                        <a:ea typeface="メイリオ" panose="020B0604030504040204" pitchFamily="50" charset="-128"/>
+                      </a:endParaRPr>
+                    </a:p>
+                  </a:txBody>
+                  <a:tcPr anchor="ctr">
+                    <a:solidFill>
+                      <a:srgbClr val="E6E6E6"/>
+                    </a:solidFill>
+                  </a:tcPr>
+                </a:tc>
                 <a:tc>
                   <a:txBody>
                     <a:bodyPr/>
@@ -3498,7 +3494,7 @@
                           <a:latin typeface="メイリオ" panose="020B0604030504040204" pitchFamily="50" charset="-128"/>
                           <a:ea typeface="メイリオ" panose="020B0604030504040204" pitchFamily="50" charset="-128"/>
                         </a:rPr>
-                        <a:t>センサの値の取得、モータ制御を行う。</a:t>
+                        <a:t>センサの値の取得，モータ制御を行う</a:t>
                       </a:r>
                     </a:p>
                   </a:txBody>
@@ -3564,21 +3560,34 @@
               <a:defRPr/>
             </a:pPr>
             <a:r>
-              <a:rPr kumimoji="1" lang="ja-JP" altLang="en-US" b="1" i="0" u="none" strike="noStrike" kern="1200" cap="none" spc="0" normalizeH="0" baseline="0" noProof="0" dirty="0">
-                <a:ln>
-                  <a:noFill/>
-                </a:ln>
+              <a:rPr lang="ja-JP" altLang="en-US" b="1" dirty="0">
                 <a:solidFill>
                   <a:prstClr val="black"/>
                 </a:solidFill>
-                <a:effectLst/>
-                <a:uLnTx/>
-                <a:uFillTx/>
-                <a:latin typeface="+mn-ea"/>
-                <a:ea typeface="+mn-ea"/>
-                <a:cs typeface="+mn-cs"/>
+                <a:latin typeface="游ゴシック" panose="020B0400000000000000" pitchFamily="50" charset="-128"/>
+                <a:ea typeface="游ゴシック" panose="020B0400000000000000" pitchFamily="50" charset="-128"/>
               </a:rPr>
-              <a:t>２．部品の仕様</a:t>
+              <a:t>２</a:t>
+            </a:r>
+            <a:r>
+              <a:rPr lang="en-US" altLang="ja-JP" b="1" dirty="0">
+                <a:solidFill>
+                  <a:prstClr val="black"/>
+                </a:solidFill>
+                <a:latin typeface="游ゴシック" panose="020B0400000000000000" pitchFamily="50" charset="-128"/>
+                <a:ea typeface="游ゴシック" panose="020B0400000000000000" pitchFamily="50" charset="-128"/>
+              </a:rPr>
+              <a:t>.</a:t>
+            </a:r>
+            <a:r>
+              <a:rPr lang="ja-JP" altLang="en-US" b="1" dirty="0">
+                <a:solidFill>
+                  <a:prstClr val="black"/>
+                </a:solidFill>
+                <a:latin typeface="游ゴシック" panose="020B0400000000000000" pitchFamily="50" charset="-128"/>
+                <a:ea typeface="游ゴシック" panose="020B0400000000000000" pitchFamily="50" charset="-128"/>
+              </a:rPr>
+              <a:t> </a:t>
             </a:r>
             <a:r>
               <a:rPr kumimoji="1" lang="ja-JP" altLang="en-US" sz="1600" b="1" i="0" u="none" strike="noStrike" kern="1200" cap="none" spc="0" normalizeH="0" baseline="0" noProof="0" dirty="0">
@@ -3591,11 +3600,11 @@
                 <a:effectLst/>
                 <a:uLnTx/>
                 <a:uFillTx/>
-                <a:latin typeface="+mn-ea"/>
-                <a:ea typeface="+mn-ea"/>
+                <a:latin typeface="游ゴシック" panose="020B0400000000000000" pitchFamily="50" charset="-128"/>
+                <a:ea typeface="游ゴシック" panose="020B0400000000000000" pitchFamily="50" charset="-128"/>
                 <a:cs typeface="+mn-cs"/>
               </a:rPr>
-              <a:t>定義</a:t>
+              <a:t>部品の仕様定義</a:t>
             </a:r>
             <a:endParaRPr kumimoji="1" lang="ja-JP" altLang="en-US" sz="1600" b="0" i="0" u="none" strike="noStrike" kern="1200" cap="none" spc="0" normalizeH="0" baseline="0" noProof="0" dirty="0">
               <a:ln>
@@ -3607,8 +3616,8 @@
               <a:effectLst/>
               <a:uLnTx/>
               <a:uFillTx/>
-              <a:latin typeface="+mn-ea"/>
-              <a:ea typeface="+mn-ea"/>
+              <a:latin typeface="游ゴシック" panose="020B0400000000000000" pitchFamily="50" charset="-128"/>
+              <a:ea typeface="游ゴシック" panose="020B0400000000000000" pitchFamily="50" charset="-128"/>
               <a:cs typeface="+mn-cs"/>
             </a:endParaRPr>
           </a:p>
@@ -3703,22 +3712,6 @@
               <a:defRPr/>
             </a:pPr>
             <a:r>
-              <a:rPr kumimoji="1" lang="ja-JP" altLang="en-US" sz="1050" b="0" i="0" u="none" strike="noStrike" kern="1200" cap="none" spc="0" normalizeH="0" baseline="0" noProof="0">
-                <a:ln>
-                  <a:noFill/>
-                </a:ln>
-                <a:solidFill>
-                  <a:prstClr val="black"/>
-                </a:solidFill>
-                <a:effectLst/>
-                <a:uLnTx/>
-                <a:uFillTx/>
-                <a:latin typeface="メイリオ" panose="020B0604030504040204" pitchFamily="50" charset="-128"/>
-                <a:ea typeface="メイリオ" panose="020B0604030504040204" pitchFamily="50" charset="-128"/>
-              </a:rPr>
-              <a:t>クラス</a:t>
-            </a:r>
-            <a:r>
               <a:rPr kumimoji="1" lang="ja-JP" altLang="en-US" sz="1050" b="0" i="0" u="none" strike="noStrike" kern="1200" cap="none" spc="0" normalizeH="0" baseline="0" noProof="0" dirty="0">
                 <a:ln>
                   <a:noFill/>
@@ -3731,11 +3724,12 @@
                 <a:uFillTx/>
                 <a:latin typeface="メイリオ" panose="020B0604030504040204" pitchFamily="50" charset="-128"/>
                 <a:ea typeface="メイリオ" panose="020B0604030504040204" pitchFamily="50" charset="-128"/>
+                <a:cs typeface="+mn-cs"/>
               </a:rPr>
-              <a:t>の構造をクラス図に</a:t>
+              <a:t>クラスの構造をクラス図に示す</a:t>
             </a:r>
             <a:r>
-              <a:rPr kumimoji="1" lang="ja-JP" altLang="en-US" sz="1050" b="0" i="0" u="none" strike="noStrike" kern="1200" cap="none" spc="0" normalizeH="0" baseline="0" noProof="0">
+              <a:rPr kumimoji="1" lang="en-US" altLang="ja-JP" sz="1050" b="0" i="0" u="none" strike="noStrike" kern="1200" cap="none" spc="0" normalizeH="0" baseline="0" noProof="0" dirty="0">
                 <a:ln>
                   <a:noFill/>
                 </a:ln>
@@ -3747,24 +3741,9 @@
                 <a:uFillTx/>
                 <a:latin typeface="メイリオ" panose="020B0604030504040204" pitchFamily="50" charset="-128"/>
                 <a:ea typeface="メイリオ" panose="020B0604030504040204" pitchFamily="50" charset="-128"/>
+                <a:cs typeface="+mn-cs"/>
               </a:rPr>
-              <a:t>示す。</a:t>
-            </a:r>
-            <a:r>
-              <a:rPr kumimoji="1" lang="ja-JP" altLang="en-US" sz="1050" b="1" i="0" u="none" strike="noStrike" kern="1200" cap="none" spc="0" normalizeH="0" baseline="0" noProof="0">
-                <a:ln>
-                  <a:noFill/>
-                </a:ln>
-                <a:solidFill>
-                  <a:srgbClr val="FF0000"/>
-                </a:solidFill>
-                <a:effectLst/>
-                <a:uLnTx/>
-                <a:uFillTx/>
-                <a:latin typeface="メイリオ" panose="020B0604030504040204" pitchFamily="50" charset="-128"/>
-                <a:ea typeface="メイリオ" panose="020B0604030504040204" pitchFamily="50" charset="-128"/>
-              </a:rPr>
-              <a:t>ただし</a:t>
+              <a:t>.</a:t>
             </a:r>
             <a:r>
               <a:rPr kumimoji="1" lang="ja-JP" altLang="en-US" sz="1050" b="1" i="0" u="none" strike="noStrike" kern="1200" cap="none" spc="0" normalizeH="0" baseline="0" noProof="0" dirty="0">
@@ -3779,37 +3758,34 @@
                 <a:uFillTx/>
                 <a:latin typeface="メイリオ" panose="020B0604030504040204" pitchFamily="50" charset="-128"/>
                 <a:ea typeface="メイリオ" panose="020B0604030504040204" pitchFamily="50" charset="-128"/>
+                <a:cs typeface="+mn-cs"/>
               </a:rPr>
-              <a:t>、多重度はすべて１、ロール名はクラス名と対応しているものと</a:t>
+              <a:t>ただし、多重度はすべて１、ロール名はクラス名と対応しているものとする</a:t>
             </a:r>
             <a:r>
-              <a:rPr kumimoji="1" lang="ja-JP" altLang="en-US" sz="1050" b="1" i="0" u="none" strike="noStrike" kern="1200" cap="none" spc="0" normalizeH="0" baseline="0" noProof="0">
+              <a:rPr kumimoji="1" lang="en-US" altLang="ja-JP" sz="1050" b="1" i="0" u="none" strike="noStrike" kern="1200" cap="none" spc="0" normalizeH="0" baseline="0" noProof="0" dirty="0">
                 <a:ln>
                   <a:noFill/>
                 </a:ln>
-                <a:solidFill>
-                  <a:srgbClr val="FF0000"/>
-                </a:solidFill>
                 <a:effectLst/>
                 <a:uLnTx/>
                 <a:uFillTx/>
                 <a:latin typeface="メイリオ" panose="020B0604030504040204" pitchFamily="50" charset="-128"/>
                 <a:ea typeface="メイリオ" panose="020B0604030504040204" pitchFamily="50" charset="-128"/>
+                <a:cs typeface="+mn-cs"/>
               </a:rPr>
-              <a:t>する。</a:t>
+              <a:t>.</a:t>
             </a:r>
             <a:endParaRPr kumimoji="1" lang="ja-JP" altLang="en-US" sz="1050" b="0" i="0" u="none" strike="noStrike" kern="1200" cap="none" spc="0" normalizeH="0" baseline="0" noProof="0" dirty="0">
               <a:ln>
                 <a:noFill/>
               </a:ln>
-              <a:solidFill>
-                <a:prstClr val="black"/>
-              </a:solidFill>
               <a:effectLst/>
               <a:uLnTx/>
               <a:uFillTx/>
               <a:latin typeface="メイリオ" panose="020B0604030504040204" pitchFamily="50" charset="-128"/>
               <a:ea typeface="メイリオ" panose="020B0604030504040204" pitchFamily="50" charset="-128"/>
+              <a:cs typeface="+mn-cs"/>
             </a:endParaRPr>
           </a:p>
         </p:txBody>
@@ -3948,7 +3924,7 @@
         </p:nvSpPr>
         <p:spPr>
           <a:xfrm>
-            <a:off x="6127471" y="249868"/>
+            <a:off x="6404670" y="266144"/>
             <a:ext cx="2006632" cy="446276"/>
           </a:xfrm>
           <a:prstGeom prst="rect">
@@ -4014,46 +3990,6 @@
                 <a:ea typeface="HG創英角ｺﾞｼｯｸUB" panose="020B0909000000000000" pitchFamily="49" charset="-128"/>
                 <a:cs typeface="+mn-cs"/>
               </a:rPr>
-              <a:t>３</a:t>
-            </a:r>
-            <a:r>
-              <a:rPr kumimoji="1" lang="en-US" altLang="ja-JP" sz="2200" b="1" i="0" u="none" strike="noStrike" kern="1200" cap="none" spc="0" normalizeH="0" baseline="0" noProof="0" dirty="0">
-                <a:ln>
-                  <a:noFill/>
-                </a:ln>
-                <a:solidFill>
-                  <a:srgbClr val="70AD47">
-                    <a:lumMod val="60000"/>
-                    <a:lumOff val="40000"/>
-                  </a:srgbClr>
-                </a:solidFill>
-                <a:effectLst/>
-                <a:uLnTx/>
-                <a:uFillTx/>
-                <a:latin typeface="HG創英角ｺﾞｼｯｸUB" panose="020B0909000000000000" pitchFamily="49" charset="-128"/>
-                <a:ea typeface="HG創英角ｺﾞｼｯｸUB" panose="020B0909000000000000" pitchFamily="49" charset="-128"/>
-                <a:cs typeface="+mn-cs"/>
-              </a:rPr>
-              <a:t>.</a:t>
-            </a:r>
-            <a:r>
-              <a:rPr kumimoji="1" lang="ja-JP" altLang="en-US" sz="2200" b="0" i="0" u="none" strike="noStrike" kern="1200" cap="none" spc="0" normalizeH="0" baseline="0" noProof="0" dirty="0">
-                <a:ln>
-                  <a:noFill/>
-                </a:ln>
-                <a:solidFill>
-                  <a:srgbClr val="70AD47">
-                    <a:lumMod val="60000"/>
-                    <a:lumOff val="40000"/>
-                  </a:srgbClr>
-                </a:solidFill>
-                <a:effectLst/>
-                <a:uLnTx/>
-                <a:uFillTx/>
-                <a:latin typeface="HG創英角ｺﾞｼｯｸUB" panose="020B0909000000000000" pitchFamily="49" charset="-128"/>
-                <a:ea typeface="HG創英角ｺﾞｼｯｸUB" panose="020B0909000000000000" pitchFamily="49" charset="-128"/>
-                <a:cs typeface="+mn-cs"/>
-              </a:rPr>
               <a:t>振る舞い②</a:t>
             </a:r>
             <a:endParaRPr kumimoji="1" lang="en-US" altLang="ja-JP" sz="2200" b="0" i="0" u="none" strike="noStrike" kern="1200" cap="none" spc="0" normalizeH="0" baseline="0" noProof="0" dirty="0">
@@ -4076,633 +4012,12 @@
           </a:p>
         </p:txBody>
       </p:sp>
-      <p:grpSp>
-        <p:nvGrpSpPr>
-          <p:cNvPr id="62" name="グループ化 61">
+      <p:pic>
+        <p:nvPicPr>
+          <p:cNvPr id="11" name="図 10">
             <a:extLst>
               <a:ext uri="{FF2B5EF4-FFF2-40B4-BE49-F238E27FC236}">
-                <a16:creationId xmlns:a16="http://schemas.microsoft.com/office/drawing/2014/main" id="{FF54D35E-3A66-427D-AA62-2BB98D37B539}"/>
-              </a:ext>
-            </a:extLst>
-          </p:cNvPr>
-          <p:cNvGrpSpPr/>
-          <p:nvPr/>
-        </p:nvGrpSpPr>
-        <p:grpSpPr>
-          <a:xfrm>
-            <a:off x="255957" y="1468257"/>
-            <a:ext cx="3027168" cy="1795345"/>
-            <a:chOff x="172903" y="1939444"/>
-            <a:chExt cx="3033782" cy="1461428"/>
-          </a:xfrm>
-        </p:grpSpPr>
-        <p:sp>
-          <p:nvSpPr>
-            <p:cNvPr id="4" name="正方形/長方形 3">
-              <a:extLst>
-                <a:ext uri="{FF2B5EF4-FFF2-40B4-BE49-F238E27FC236}">
-                  <a16:creationId xmlns:a16="http://schemas.microsoft.com/office/drawing/2014/main" id="{1A246C85-88A8-450B-9219-E39E4518F1DE}"/>
-                </a:ext>
-              </a:extLst>
-            </p:cNvPr>
-            <p:cNvSpPr/>
-            <p:nvPr/>
-          </p:nvSpPr>
-          <p:spPr>
-            <a:xfrm>
-              <a:off x="172903" y="1939444"/>
-              <a:ext cx="576064" cy="1461428"/>
-            </a:xfrm>
-            <a:prstGeom prst="rect">
-              <a:avLst/>
-            </a:prstGeom>
-            <a:solidFill>
-              <a:srgbClr val="FFCCCC"/>
-            </a:solidFill>
-            <a:ln>
-              <a:noFill/>
-            </a:ln>
-          </p:spPr>
-          <p:style>
-            <a:lnRef idx="2">
-              <a:schemeClr val="accent1">
-                <a:shade val="50000"/>
-              </a:schemeClr>
-            </a:lnRef>
-            <a:fillRef idx="1">
-              <a:schemeClr val="accent1"/>
-            </a:fillRef>
-            <a:effectRef idx="0">
-              <a:schemeClr val="accent1"/>
-            </a:effectRef>
-            <a:fontRef idx="minor">
-              <a:schemeClr val="lt1"/>
-            </a:fontRef>
-          </p:style>
-          <p:txBody>
-            <a:bodyPr vert="eaVert" rtlCol="0" anchor="ctr"/>
-            <a:lstStyle/>
-            <a:p>
-              <a:pPr algn="ctr"/>
-              <a:r>
-                <a:rPr kumimoji="1" lang="ja-JP" altLang="en-US" sz="1050" b="1">
-                  <a:solidFill>
-                    <a:schemeClr val="tx1"/>
-                  </a:solidFill>
-                </a:rPr>
-                <a:t>走行管理</a:t>
-              </a:r>
-              <a:endParaRPr kumimoji="1" lang="ja-JP" altLang="en-US" sz="1050" b="1" dirty="0">
-                <a:solidFill>
-                  <a:schemeClr val="tx1"/>
-                </a:solidFill>
-              </a:endParaRPr>
-            </a:p>
-          </p:txBody>
-        </p:sp>
-        <p:sp>
-          <p:nvSpPr>
-            <p:cNvPr id="26" name="正方形/長方形 25">
-              <a:extLst>
-                <a:ext uri="{FF2B5EF4-FFF2-40B4-BE49-F238E27FC236}">
-                  <a16:creationId xmlns:a16="http://schemas.microsoft.com/office/drawing/2014/main" id="{D44A8CD1-8E5F-421D-8385-B9A955647EC7}"/>
-                </a:ext>
-              </a:extLst>
-            </p:cNvPr>
-            <p:cNvSpPr/>
-            <p:nvPr/>
-          </p:nvSpPr>
-          <p:spPr>
-            <a:xfrm>
-              <a:off x="2630621" y="2854741"/>
-              <a:ext cx="576064" cy="546130"/>
-            </a:xfrm>
-            <a:prstGeom prst="rect">
-              <a:avLst/>
-            </a:prstGeom>
-            <a:solidFill>
-              <a:srgbClr val="E6E6E6"/>
-            </a:solidFill>
-            <a:ln>
-              <a:noFill/>
-            </a:ln>
-          </p:spPr>
-          <p:style>
-            <a:lnRef idx="2">
-              <a:schemeClr val="accent1">
-                <a:shade val="50000"/>
-              </a:schemeClr>
-            </a:lnRef>
-            <a:fillRef idx="1">
-              <a:schemeClr val="accent1"/>
-            </a:fillRef>
-            <a:effectRef idx="0">
-              <a:schemeClr val="accent1"/>
-            </a:effectRef>
-            <a:fontRef idx="minor">
-              <a:schemeClr val="lt1"/>
-            </a:fontRef>
-          </p:style>
-          <p:txBody>
-            <a:bodyPr vert="eaVert" rtlCol="0" anchor="ctr"/>
-            <a:lstStyle/>
-            <a:p>
-              <a:pPr algn="ctr"/>
-              <a:r>
-                <a:rPr kumimoji="1" lang="ja-JP" altLang="en-US" sz="1050" b="1" dirty="0">
-                  <a:solidFill>
-                    <a:schemeClr val="tx1"/>
-                  </a:solidFill>
-                </a:rPr>
-                <a:t>デバイス</a:t>
-              </a:r>
-            </a:p>
-          </p:txBody>
-        </p:sp>
-        <p:sp>
-          <p:nvSpPr>
-            <p:cNvPr id="8" name="正方形/長方形 7">
-              <a:extLst>
-                <a:ext uri="{FF2B5EF4-FFF2-40B4-BE49-F238E27FC236}">
-                  <a16:creationId xmlns:a16="http://schemas.microsoft.com/office/drawing/2014/main" id="{482B7BA8-B171-448C-83A9-F9C7E8CE5C5B}"/>
-                </a:ext>
-              </a:extLst>
-            </p:cNvPr>
-            <p:cNvSpPr/>
-            <p:nvPr/>
-          </p:nvSpPr>
-          <p:spPr>
-            <a:xfrm>
-              <a:off x="1139485" y="2854741"/>
-              <a:ext cx="1105640" cy="543238"/>
-            </a:xfrm>
-            <a:prstGeom prst="rect">
-              <a:avLst/>
-            </a:prstGeom>
-            <a:solidFill>
-              <a:srgbClr val="CCFFCC"/>
-            </a:solidFill>
-            <a:ln>
-              <a:noFill/>
-            </a:ln>
-          </p:spPr>
-          <p:style>
-            <a:lnRef idx="2">
-              <a:schemeClr val="accent1">
-                <a:shade val="50000"/>
-              </a:schemeClr>
-            </a:lnRef>
-            <a:fillRef idx="1">
-              <a:schemeClr val="accent1"/>
-            </a:fillRef>
-            <a:effectRef idx="0">
-              <a:schemeClr val="accent1"/>
-            </a:effectRef>
-            <a:fontRef idx="minor">
-              <a:schemeClr val="lt1"/>
-            </a:fontRef>
-          </p:style>
-          <p:txBody>
-            <a:bodyPr rtlCol="0" anchor="ctr"/>
-            <a:lstStyle/>
-            <a:p>
-              <a:pPr algn="ctr"/>
-              <a:r>
-                <a:rPr kumimoji="1" lang="ja-JP" altLang="en-US" sz="1050" b="1" dirty="0">
-                  <a:solidFill>
-                    <a:schemeClr val="tx1"/>
-                  </a:solidFill>
-                </a:rPr>
-                <a:t>走行体情報</a:t>
-              </a:r>
-            </a:p>
-          </p:txBody>
-        </p:sp>
-        <p:sp>
-          <p:nvSpPr>
-            <p:cNvPr id="36" name="正方形/長方形 35">
-              <a:extLst>
-                <a:ext uri="{FF2B5EF4-FFF2-40B4-BE49-F238E27FC236}">
-                  <a16:creationId xmlns:a16="http://schemas.microsoft.com/office/drawing/2014/main" id="{BABBFD05-2DE7-436C-A27E-164958A3C254}"/>
-                </a:ext>
-              </a:extLst>
-            </p:cNvPr>
-            <p:cNvSpPr/>
-            <p:nvPr/>
-          </p:nvSpPr>
-          <p:spPr>
-            <a:xfrm>
-              <a:off x="1139485" y="1941448"/>
-              <a:ext cx="1102924" cy="543238"/>
-            </a:xfrm>
-            <a:prstGeom prst="rect">
-              <a:avLst/>
-            </a:prstGeom>
-            <a:solidFill>
-              <a:srgbClr val="FFFFCC"/>
-            </a:solidFill>
-            <a:ln>
-              <a:noFill/>
-            </a:ln>
-          </p:spPr>
-          <p:style>
-            <a:lnRef idx="2">
-              <a:schemeClr val="accent1">
-                <a:shade val="50000"/>
-              </a:schemeClr>
-            </a:lnRef>
-            <a:fillRef idx="1">
-              <a:schemeClr val="accent1"/>
-            </a:fillRef>
-            <a:effectRef idx="0">
-              <a:schemeClr val="accent1"/>
-            </a:effectRef>
-            <a:fontRef idx="minor">
-              <a:schemeClr val="lt1"/>
-            </a:fontRef>
-          </p:style>
-          <p:txBody>
-            <a:bodyPr rtlCol="0" anchor="ctr"/>
-            <a:lstStyle/>
-            <a:p>
-              <a:pPr algn="ctr"/>
-              <a:r>
-                <a:rPr lang="ja-JP" altLang="en-US" sz="1050" b="1" dirty="0">
-                  <a:solidFill>
-                    <a:schemeClr val="tx1"/>
-                  </a:solidFill>
-                </a:rPr>
-                <a:t>制御</a:t>
-              </a:r>
-              <a:endParaRPr kumimoji="1" lang="ja-JP" altLang="en-US" sz="1050" b="1" dirty="0">
-                <a:solidFill>
-                  <a:schemeClr val="tx1"/>
-                </a:solidFill>
-              </a:endParaRPr>
-            </a:p>
-          </p:txBody>
-        </p:sp>
-        <p:cxnSp>
-          <p:nvCxnSpPr>
-            <p:cNvPr id="12" name="直線矢印コネクタ 11">
-              <a:extLst>
-                <a:ext uri="{FF2B5EF4-FFF2-40B4-BE49-F238E27FC236}">
-                  <a16:creationId xmlns:a16="http://schemas.microsoft.com/office/drawing/2014/main" id="{7A2E6D9C-D61C-4408-AA7A-0A67F4978E8D}"/>
-                </a:ext>
-              </a:extLst>
-            </p:cNvPr>
-            <p:cNvCxnSpPr>
-              <a:cxnSpLocks/>
-            </p:cNvCxnSpPr>
-            <p:nvPr/>
-          </p:nvCxnSpPr>
-          <p:spPr>
-            <a:xfrm>
-              <a:off x="1678001" y="2534930"/>
-              <a:ext cx="1" cy="300502"/>
-            </a:xfrm>
-            <a:prstGeom prst="straightConnector1">
-              <a:avLst/>
-            </a:prstGeom>
-            <a:ln>
-              <a:tailEnd type="triangle"/>
-            </a:ln>
-          </p:spPr>
-          <p:style>
-            <a:lnRef idx="1">
-              <a:schemeClr val="dk1"/>
-            </a:lnRef>
-            <a:fillRef idx="0">
-              <a:schemeClr val="dk1"/>
-            </a:fillRef>
-            <a:effectRef idx="0">
-              <a:schemeClr val="dk1"/>
-            </a:effectRef>
-            <a:fontRef idx="minor">
-              <a:schemeClr val="tx1"/>
-            </a:fontRef>
-          </p:style>
-        </p:cxnSp>
-        <p:cxnSp>
-          <p:nvCxnSpPr>
-            <p:cNvPr id="14" name="直線矢印コネクタ 13">
-              <a:extLst>
-                <a:ext uri="{FF2B5EF4-FFF2-40B4-BE49-F238E27FC236}">
-                  <a16:creationId xmlns:a16="http://schemas.microsoft.com/office/drawing/2014/main" id="{66FC26C4-920F-48E6-9277-639D4E124088}"/>
-                </a:ext>
-              </a:extLst>
-            </p:cNvPr>
-            <p:cNvCxnSpPr>
-              <a:cxnSpLocks/>
-              <a:endCxn id="36" idx="1"/>
-            </p:cNvCxnSpPr>
-            <p:nvPr/>
-          </p:nvCxnSpPr>
-          <p:spPr>
-            <a:xfrm flipV="1">
-              <a:off x="748967" y="2213068"/>
-              <a:ext cx="390518" cy="4567"/>
-            </a:xfrm>
-            <a:prstGeom prst="straightConnector1">
-              <a:avLst/>
-            </a:prstGeom>
-            <a:ln>
-              <a:tailEnd type="triangle"/>
-            </a:ln>
-          </p:spPr>
-          <p:style>
-            <a:lnRef idx="1">
-              <a:schemeClr val="dk1"/>
-            </a:lnRef>
-            <a:fillRef idx="0">
-              <a:schemeClr val="dk1"/>
-            </a:fillRef>
-            <a:effectRef idx="0">
-              <a:schemeClr val="dk1"/>
-            </a:effectRef>
-            <a:fontRef idx="minor">
-              <a:schemeClr val="tx1"/>
-            </a:fontRef>
-          </p:style>
-        </p:cxnSp>
-        <p:cxnSp>
-          <p:nvCxnSpPr>
-            <p:cNvPr id="37" name="直線矢印コネクタ 36">
-              <a:extLst>
-                <a:ext uri="{FF2B5EF4-FFF2-40B4-BE49-F238E27FC236}">
-                  <a16:creationId xmlns:a16="http://schemas.microsoft.com/office/drawing/2014/main" id="{E414C62A-516A-4026-B472-9E2F7120F134}"/>
-                </a:ext>
-              </a:extLst>
-            </p:cNvPr>
-            <p:cNvCxnSpPr>
-              <a:cxnSpLocks/>
-              <a:endCxn id="8" idx="1"/>
-            </p:cNvCxnSpPr>
-            <p:nvPr/>
-          </p:nvCxnSpPr>
-          <p:spPr>
-            <a:xfrm>
-              <a:off x="746592" y="3126360"/>
-              <a:ext cx="392894" cy="0"/>
-            </a:xfrm>
-            <a:prstGeom prst="straightConnector1">
-              <a:avLst/>
-            </a:prstGeom>
-            <a:ln>
-              <a:tailEnd type="triangle"/>
-            </a:ln>
-          </p:spPr>
-          <p:style>
-            <a:lnRef idx="1">
-              <a:schemeClr val="dk1"/>
-            </a:lnRef>
-            <a:fillRef idx="0">
-              <a:schemeClr val="dk1"/>
-            </a:fillRef>
-            <a:effectRef idx="0">
-              <a:schemeClr val="dk1"/>
-            </a:effectRef>
-            <a:fontRef idx="minor">
-              <a:schemeClr val="tx1"/>
-            </a:fontRef>
-          </p:style>
-        </p:cxnSp>
-        <p:cxnSp>
-          <p:nvCxnSpPr>
-            <p:cNvPr id="47" name="直線矢印コネクタ 46">
-              <a:extLst>
-                <a:ext uri="{FF2B5EF4-FFF2-40B4-BE49-F238E27FC236}">
-                  <a16:creationId xmlns:a16="http://schemas.microsoft.com/office/drawing/2014/main" id="{7073DAB6-0EF0-42BE-A740-2F4235535E82}"/>
-                </a:ext>
-              </a:extLst>
-            </p:cNvPr>
-            <p:cNvCxnSpPr>
-              <a:cxnSpLocks/>
-            </p:cNvCxnSpPr>
-            <p:nvPr/>
-          </p:nvCxnSpPr>
-          <p:spPr>
-            <a:xfrm>
-              <a:off x="2242412" y="3126359"/>
-              <a:ext cx="390519" cy="0"/>
-            </a:xfrm>
-            <a:prstGeom prst="straightConnector1">
-              <a:avLst/>
-            </a:prstGeom>
-            <a:ln>
-              <a:tailEnd type="triangle"/>
-            </a:ln>
-          </p:spPr>
-          <p:style>
-            <a:lnRef idx="1">
-              <a:schemeClr val="dk1"/>
-            </a:lnRef>
-            <a:fillRef idx="0">
-              <a:schemeClr val="dk1"/>
-            </a:fillRef>
-            <a:effectRef idx="0">
-              <a:schemeClr val="dk1"/>
-            </a:effectRef>
-            <a:fontRef idx="minor">
-              <a:schemeClr val="tx1"/>
-            </a:fontRef>
-          </p:style>
-        </p:cxnSp>
-        <p:sp>
-          <p:nvSpPr>
-            <p:cNvPr id="57" name="テキスト ボックス 56">
-              <a:extLst>
-                <a:ext uri="{FF2B5EF4-FFF2-40B4-BE49-F238E27FC236}">
-                  <a16:creationId xmlns:a16="http://schemas.microsoft.com/office/drawing/2014/main" id="{22BB6C74-1F16-42AD-8DB5-92623CCE8620}"/>
-                </a:ext>
-              </a:extLst>
-            </p:cNvPr>
-            <p:cNvSpPr txBox="1"/>
-            <p:nvPr/>
-          </p:nvSpPr>
-          <p:spPr>
-            <a:xfrm>
-              <a:off x="724749" y="1971608"/>
-              <a:ext cx="504051" cy="200426"/>
-            </a:xfrm>
-            <a:prstGeom prst="rect">
-              <a:avLst/>
-            </a:prstGeom>
-            <a:noFill/>
-          </p:spPr>
-          <p:txBody>
-            <a:bodyPr wrap="square" rtlCol="0">
-              <a:spAutoFit/>
-            </a:bodyPr>
-            <a:lstStyle/>
-            <a:p>
-              <a:r>
-                <a:rPr lang="ja-JP" altLang="en-US" sz="1000" b="1" dirty="0">
-                  <a:latin typeface="+mn-lt"/>
-                </a:rPr>
-                <a:t>管理</a:t>
-              </a:r>
-              <a:endParaRPr kumimoji="1" lang="ja-JP" altLang="en-US" sz="1000" b="1" dirty="0">
-                <a:latin typeface="+mn-lt"/>
-              </a:endParaRPr>
-            </a:p>
-          </p:txBody>
-        </p:sp>
-        <p:sp>
-          <p:nvSpPr>
-            <p:cNvPr id="58" name="テキスト ボックス 57">
-              <a:extLst>
-                <a:ext uri="{FF2B5EF4-FFF2-40B4-BE49-F238E27FC236}">
-                  <a16:creationId xmlns:a16="http://schemas.microsoft.com/office/drawing/2014/main" id="{334254D6-E7BB-4936-84AC-77DBB8983BCE}"/>
-                </a:ext>
-              </a:extLst>
-            </p:cNvPr>
-            <p:cNvSpPr txBox="1"/>
-            <p:nvPr/>
-          </p:nvSpPr>
-          <p:spPr>
-            <a:xfrm>
-              <a:off x="712392" y="2881838"/>
-              <a:ext cx="504051" cy="200426"/>
-            </a:xfrm>
-            <a:prstGeom prst="rect">
-              <a:avLst/>
-            </a:prstGeom>
-            <a:noFill/>
-          </p:spPr>
-          <p:txBody>
-            <a:bodyPr wrap="square" rtlCol="0">
-              <a:spAutoFit/>
-            </a:bodyPr>
-            <a:lstStyle/>
-            <a:p>
-              <a:r>
-                <a:rPr kumimoji="1" lang="ja-JP" altLang="en-US" sz="1000" b="1" dirty="0">
-                  <a:latin typeface="+mn-lt"/>
-                </a:rPr>
-                <a:t>参照</a:t>
-              </a:r>
-            </a:p>
-          </p:txBody>
-        </p:sp>
-        <p:sp>
-          <p:nvSpPr>
-            <p:cNvPr id="59" name="テキスト ボックス 58">
-              <a:extLst>
-                <a:ext uri="{FF2B5EF4-FFF2-40B4-BE49-F238E27FC236}">
-                  <a16:creationId xmlns:a16="http://schemas.microsoft.com/office/drawing/2014/main" id="{BA693B65-D72C-42F5-85AD-4E819A14991E}"/>
-                </a:ext>
-              </a:extLst>
-            </p:cNvPr>
-            <p:cNvSpPr txBox="1"/>
-            <p:nvPr/>
-          </p:nvSpPr>
-          <p:spPr>
-            <a:xfrm>
-              <a:off x="1621828" y="2562070"/>
-              <a:ext cx="504051" cy="200426"/>
-            </a:xfrm>
-            <a:prstGeom prst="rect">
-              <a:avLst/>
-            </a:prstGeom>
-            <a:noFill/>
-          </p:spPr>
-          <p:txBody>
-            <a:bodyPr wrap="square" rtlCol="0">
-              <a:spAutoFit/>
-            </a:bodyPr>
-            <a:lstStyle/>
-            <a:p>
-              <a:r>
-                <a:rPr kumimoji="1" lang="ja-JP" altLang="en-US" sz="1000" b="1" dirty="0">
-                  <a:latin typeface="+mn-lt"/>
-                </a:rPr>
-                <a:t>参照</a:t>
-              </a:r>
-            </a:p>
-          </p:txBody>
-        </p:sp>
-        <p:sp>
-          <p:nvSpPr>
-            <p:cNvPr id="60" name="テキスト ボックス 59">
-              <a:extLst>
-                <a:ext uri="{FF2B5EF4-FFF2-40B4-BE49-F238E27FC236}">
-                  <a16:creationId xmlns:a16="http://schemas.microsoft.com/office/drawing/2014/main" id="{2964873E-C7C2-4AA2-8363-6F0E78407FD0}"/>
-                </a:ext>
-              </a:extLst>
-            </p:cNvPr>
-            <p:cNvSpPr txBox="1"/>
-            <p:nvPr/>
-          </p:nvSpPr>
-          <p:spPr>
-            <a:xfrm>
-              <a:off x="2200615" y="2922912"/>
-              <a:ext cx="504051" cy="200426"/>
-            </a:xfrm>
-            <a:prstGeom prst="rect">
-              <a:avLst/>
-            </a:prstGeom>
-            <a:noFill/>
-          </p:spPr>
-          <p:txBody>
-            <a:bodyPr wrap="square" rtlCol="0">
-              <a:spAutoFit/>
-            </a:bodyPr>
-            <a:lstStyle/>
-            <a:p>
-              <a:r>
-                <a:rPr kumimoji="1" lang="ja-JP" altLang="en-US" sz="1000" b="1" dirty="0">
-                  <a:latin typeface="+mn-lt"/>
-                </a:rPr>
-                <a:t>参照</a:t>
-              </a:r>
-            </a:p>
-          </p:txBody>
-        </p:sp>
-        <p:sp>
-          <p:nvSpPr>
-            <p:cNvPr id="61" name="テキスト ボックス 60">
-              <a:extLst>
-                <a:ext uri="{FF2B5EF4-FFF2-40B4-BE49-F238E27FC236}">
-                  <a16:creationId xmlns:a16="http://schemas.microsoft.com/office/drawing/2014/main" id="{8B9D1EB4-B29E-4BB1-9D08-8E7A5209E181}"/>
-                </a:ext>
-              </a:extLst>
-            </p:cNvPr>
-            <p:cNvSpPr txBox="1"/>
-            <p:nvPr/>
-          </p:nvSpPr>
-          <p:spPr>
-            <a:xfrm>
-              <a:off x="2261700" y="1962341"/>
-              <a:ext cx="504051" cy="200426"/>
-            </a:xfrm>
-            <a:prstGeom prst="rect">
-              <a:avLst/>
-            </a:prstGeom>
-            <a:noFill/>
-          </p:spPr>
-          <p:txBody>
-            <a:bodyPr wrap="square" rtlCol="0">
-              <a:spAutoFit/>
-            </a:bodyPr>
-            <a:lstStyle/>
-            <a:p>
-              <a:r>
-                <a:rPr kumimoji="1" lang="ja-JP" altLang="en-US" sz="1000" b="1" dirty="0">
-                  <a:latin typeface="+mn-lt"/>
-                </a:rPr>
-                <a:t>制御</a:t>
-              </a:r>
-            </a:p>
-          </p:txBody>
-        </p:sp>
-      </p:grpSp>
-      <p:pic>
-        <p:nvPicPr>
-          <p:cNvPr id="6" name="図 5">
-            <a:extLst>
-              <a:ext uri="{FF2B5EF4-FFF2-40B4-BE49-F238E27FC236}">
-                <a16:creationId xmlns:a16="http://schemas.microsoft.com/office/drawing/2014/main" id="{BC4E90A1-606B-D245-A391-3ED7CA57697A}"/>
+                <a16:creationId xmlns:a16="http://schemas.microsoft.com/office/drawing/2014/main" id="{86BB4ACD-B618-42B1-AA04-6F4BD77CEC6E}"/>
               </a:ext>
             </a:extLst>
           </p:cNvPr>
@@ -4725,61 +4040,14 @@
         </p:blipFill>
         <p:spPr>
           <a:xfrm>
-            <a:off x="137783" y="3572771"/>
-            <a:ext cx="12500765" cy="5945486"/>
+            <a:off x="130623" y="3519118"/>
+            <a:ext cx="12540354" cy="5966841"/>
           </a:xfrm>
           <a:prstGeom prst="rect">
             <a:avLst/>
           </a:prstGeom>
         </p:spPr>
       </p:pic>
-      <p:cxnSp>
-        <p:nvCxnSpPr>
-          <p:cNvPr id="43" name="コネクタ: カギ線 42">
-            <a:extLst>
-              <a:ext uri="{FF2B5EF4-FFF2-40B4-BE49-F238E27FC236}">
-                <a16:creationId xmlns:a16="http://schemas.microsoft.com/office/drawing/2014/main" id="{98EC625D-2313-464B-A206-074A45917233}"/>
-              </a:ext>
-            </a:extLst>
-          </p:cNvPr>
-          <p:cNvCxnSpPr>
-            <a:cxnSpLocks/>
-            <a:endCxn id="26" idx="0"/>
-          </p:cNvCxnSpPr>
-          <p:nvPr/>
-        </p:nvCxnSpPr>
-        <p:spPr>
-          <a:xfrm rot="16200000" flipH="1">
-            <a:off x="2258443" y="1855409"/>
-            <a:ext cx="777568" cy="696987"/>
-          </a:xfrm>
-          <a:prstGeom prst="bentConnector3">
-            <a:avLst>
-              <a:gd name="adj1" fmla="val -1062"/>
-            </a:avLst>
-          </a:prstGeom>
-          <a:ln>
-            <a:solidFill>
-              <a:schemeClr val="tx1"/>
-            </a:solidFill>
-            <a:tailEnd type="triangle"/>
-          </a:ln>
-        </p:spPr>
-        <p:style>
-          <a:lnRef idx="1">
-            <a:schemeClr val="accent1"/>
-          </a:lnRef>
-          <a:fillRef idx="0">
-            <a:schemeClr val="accent1"/>
-          </a:fillRef>
-          <a:effectRef idx="0">
-            <a:schemeClr val="accent1"/>
-          </a:effectRef>
-          <a:fontRef idx="minor">
-            <a:schemeClr val="tx1"/>
-          </a:fontRef>
-        </p:style>
-      </p:cxnSp>
       <p:sp>
         <p:nvSpPr>
           <p:cNvPr id="44" name="山形 43">
@@ -4829,11 +4097,36 @@
           <a:bodyPr rtlCol="0" anchor="ctr"/>
           <a:lstStyle/>
           <a:p>
-            <a:pPr algn="ctr"/>
-            <a:endParaRPr kumimoji="1" lang="ja-JP" altLang="en-US">
+            <a:pPr marL="0" marR="0" lvl="0" indent="0" algn="ctr" defTabSz="914400" rtl="0" eaLnBrk="1" fontAlgn="base" latinLnBrk="0" hangingPunct="1">
+              <a:lnSpc>
+                <a:spcPct val="100000"/>
+              </a:lnSpc>
+              <a:spcBef>
+                <a:spcPct val="0"/>
+              </a:spcBef>
+              <a:spcAft>
+                <a:spcPct val="0"/>
+              </a:spcAft>
+              <a:buClrTx/>
+              <a:buSzTx/>
+              <a:buFontTx/>
+              <a:buNone/>
+              <a:tabLst/>
+              <a:defRPr/>
+            </a:pPr>
+            <a:endParaRPr kumimoji="1" lang="ja-JP" altLang="en-US" sz="1600" b="0" i="0" u="none" strike="noStrike" kern="1200" cap="none" spc="0" normalizeH="0" baseline="0" noProof="0">
+              <a:ln>
+                <a:noFill/>
+              </a:ln>
               <a:solidFill>
-                <a:schemeClr val="tx1"/>
+                <a:prstClr val="black"/>
               </a:solidFill>
+              <a:effectLst/>
+              <a:uLnTx/>
+              <a:uFillTx/>
+              <a:latin typeface="游ゴシック" panose="020F0502020204030204"/>
+              <a:ea typeface="游ゴシック" panose="020B0400000000000000" pitchFamily="50" charset="-128"/>
+              <a:cs typeface="+mn-cs"/>
             </a:endParaRPr>
           </a:p>
         </p:txBody>
@@ -4853,7 +4146,7 @@
           <p:nvPr>
             <p:extLst>
               <p:ext uri="{D42A27DB-BD31-4B8C-83A1-F6EECF244321}">
-                <p14:modId xmlns:p14="http://schemas.microsoft.com/office/powerpoint/2010/main" val="3995118555"/>
+                <p14:modId xmlns:p14="http://schemas.microsoft.com/office/powerpoint/2010/main" val="427965173"/>
               </p:ext>
             </p:extLst>
           </p:nvPr>
@@ -4869,14 +4162,21 @@
                 <a:tableStyleId>{93296810-A885-4BE3-A3E7-6D5BEEA58F35}</a:tableStyleId>
               </a:tblPr>
               <a:tblGrid>
-                <a:gridCol w="1283495">
+                <a:gridCol w="520665">
+                  <a:extLst>
+                    <a:ext uri="{9D8B030D-6E8A-4147-A177-3AD203B41FA5}">
+                      <a16:colId xmlns:a16="http://schemas.microsoft.com/office/drawing/2014/main" val="814702488"/>
+                    </a:ext>
+                  </a:extLst>
+                </a:gridCol>
+                <a:gridCol w="1152128">
                   <a:extLst>
                     <a:ext uri="{9D8B030D-6E8A-4147-A177-3AD203B41FA5}">
                       <a16:colId xmlns:a16="http://schemas.microsoft.com/office/drawing/2014/main" val="965776415"/>
                     </a:ext>
                   </a:extLst>
                 </a:gridCol>
-                <a:gridCol w="2234127">
+                <a:gridCol w="1844829">
                   <a:extLst>
                     <a:ext uri="{9D8B030D-6E8A-4147-A177-3AD203B41FA5}">
                       <a16:colId xmlns:a16="http://schemas.microsoft.com/office/drawing/2014/main" val="4018518874"/>
@@ -4885,6 +4185,21 @@
                 </a:gridCol>
               </a:tblGrid>
               <a:tr h="282966">
+                <a:tc>
+                  <a:txBody>
+                    <a:bodyPr/>
+                    <a:lstStyle/>
+                    <a:p>
+                      <a:pPr algn="ctr"/>
+                      <a:endParaRPr kumimoji="1" lang="ja-JP" altLang="en-US" sz="1050" b="1" dirty="0"/>
+                    </a:p>
+                  </a:txBody>
+                  <a:tcPr anchor="ctr">
+                    <a:solidFill>
+                      <a:schemeClr val="bg1"/>
+                    </a:solidFill>
+                  </a:tcPr>
+                </a:tc>
                 <a:tc>
                   <a:txBody>
                     <a:bodyPr/>
@@ -4925,6 +4240,40 @@
                     <a:bodyPr/>
                     <a:lstStyle/>
                     <a:p>
+                      <a:pPr algn="l"/>
+                      <a:r>
+                        <a:rPr kumimoji="1" lang="en-US" altLang="ja-JP" sz="1050" b="0" dirty="0">
+                          <a:latin typeface="メイリオ" panose="020B0604030504040204" pitchFamily="50" charset="-128"/>
+                          <a:ea typeface="メイリオ" panose="020B0604030504040204" pitchFamily="50" charset="-128"/>
+                        </a:rPr>
+                        <a:t>M</a:t>
+                      </a:r>
+                      <a:endParaRPr kumimoji="1" lang="ja-JP" altLang="en-US" sz="1050" b="0" dirty="0">
+                        <a:latin typeface="メイリオ" panose="020B0604030504040204" pitchFamily="50" charset="-128"/>
+                        <a:ea typeface="メイリオ" panose="020B0604030504040204" pitchFamily="50" charset="-128"/>
+                      </a:endParaRPr>
+                    </a:p>
+                  </a:txBody>
+                  <a:tcPr anchor="ctr">
+                    <a:lnR w="38100" cap="flat" cmpd="sng" algn="ctr">
+                      <a:solidFill>
+                        <a:schemeClr val="bg1"/>
+                      </a:solidFill>
+                      <a:prstDash val="solid"/>
+                      <a:round/>
+                      <a:headEnd type="none" w="med" len="med"/>
+                      <a:tailEnd type="none" w="med" len="med"/>
+                    </a:lnR>
+                    <a:solidFill>
+                      <a:srgbClr val="33CCFF"/>
+                    </a:solidFill>
+                  </a:tcPr>
+                </a:tc>
+                <a:tc>
+                  <a:txBody>
+                    <a:bodyPr/>
+                    <a:lstStyle/>
+                    <a:p>
                       <a:pPr algn="ctr"/>
                       <a:r>
                         <a:rPr kumimoji="1" lang="ja-JP" altLang="en-US" sz="1050" b="0">
@@ -4940,6 +4289,15 @@
                     </a:p>
                   </a:txBody>
                   <a:tcPr anchor="ctr">
+                    <a:lnL w="38100" cap="flat" cmpd="sng" algn="ctr">
+                      <a:solidFill>
+                        <a:schemeClr val="bg1"/>
+                      </a:solidFill>
+                      <a:prstDash val="solid"/>
+                      <a:round/>
+                      <a:headEnd type="none" w="med" len="med"/>
+                      <a:tailEnd type="none" w="med" len="med"/>
+                    </a:lnL>
                     <a:solidFill>
                       <a:srgbClr val="FFCCCC"/>
                     </a:solidFill>
@@ -4988,6 +4346,40 @@
                     <a:bodyPr/>
                     <a:lstStyle/>
                     <a:p>
+                      <a:pPr algn="l"/>
+                      <a:r>
+                        <a:rPr kumimoji="1" lang="en-US" altLang="ja-JP" sz="1050" b="0" dirty="0">
+                          <a:latin typeface="メイリオ" panose="020B0604030504040204" pitchFamily="50" charset="-128"/>
+                          <a:ea typeface="メイリオ" panose="020B0604030504040204" pitchFamily="50" charset="-128"/>
+                        </a:rPr>
+                        <a:t>M1</a:t>
+                      </a:r>
+                      <a:endParaRPr kumimoji="1" lang="ja-JP" altLang="en-US" sz="1050" b="0" dirty="0">
+                        <a:latin typeface="メイリオ" panose="020B0604030504040204" pitchFamily="50" charset="-128"/>
+                        <a:ea typeface="メイリオ" panose="020B0604030504040204" pitchFamily="50" charset="-128"/>
+                      </a:endParaRPr>
+                    </a:p>
+                  </a:txBody>
+                  <a:tcPr anchor="ctr">
+                    <a:lnR w="38100" cap="flat" cmpd="sng" algn="ctr">
+                      <a:solidFill>
+                        <a:schemeClr val="bg1"/>
+                      </a:solidFill>
+                      <a:prstDash val="solid"/>
+                      <a:round/>
+                      <a:headEnd type="none" w="med" len="med"/>
+                      <a:tailEnd type="none" w="med" len="med"/>
+                    </a:lnR>
+                    <a:solidFill>
+                      <a:srgbClr val="33CCFF"/>
+                    </a:solidFill>
+                  </a:tcPr>
+                </a:tc>
+                <a:tc>
+                  <a:txBody>
+                    <a:bodyPr/>
+                    <a:lstStyle/>
+                    <a:p>
                       <a:pPr algn="ctr"/>
                       <a:r>
                         <a:rPr kumimoji="1" lang="ja-JP" altLang="en-US" sz="1050" b="0">
@@ -5003,6 +4395,15 @@
                     </a:p>
                   </a:txBody>
                   <a:tcPr anchor="ctr">
+                    <a:lnL w="38100" cap="flat" cmpd="sng" algn="ctr">
+                      <a:solidFill>
+                        <a:schemeClr val="bg1"/>
+                      </a:solidFill>
+                      <a:prstDash val="solid"/>
+                      <a:round/>
+                      <a:headEnd type="none" w="med" len="med"/>
+                      <a:tailEnd type="none" w="med" len="med"/>
+                    </a:lnL>
                     <a:solidFill>
                       <a:srgbClr val="FFCCCC"/>
                     </a:solidFill>
@@ -5051,6 +4452,40 @@
                     <a:bodyPr/>
                     <a:lstStyle/>
                     <a:p>
+                      <a:pPr algn="l"/>
+                      <a:r>
+                        <a:rPr kumimoji="1" lang="en-US" altLang="ja-JP" sz="1050" b="0" dirty="0">
+                          <a:latin typeface="メイリオ" panose="020B0604030504040204" pitchFamily="50" charset="-128"/>
+                          <a:ea typeface="メイリオ" panose="020B0604030504040204" pitchFamily="50" charset="-128"/>
+                        </a:rPr>
+                        <a:t>M1a</a:t>
+                      </a:r>
+                      <a:endParaRPr kumimoji="1" lang="ja-JP" altLang="en-US" sz="1050" b="0" dirty="0">
+                        <a:latin typeface="メイリオ" panose="020B0604030504040204" pitchFamily="50" charset="-128"/>
+                        <a:ea typeface="メイリオ" panose="020B0604030504040204" pitchFamily="50" charset="-128"/>
+                      </a:endParaRPr>
+                    </a:p>
+                  </a:txBody>
+                  <a:tcPr anchor="ctr">
+                    <a:lnR w="38100" cap="flat" cmpd="sng" algn="ctr">
+                      <a:solidFill>
+                        <a:schemeClr val="bg1"/>
+                      </a:solidFill>
+                      <a:prstDash val="solid"/>
+                      <a:round/>
+                      <a:headEnd type="none" w="med" len="med"/>
+                      <a:tailEnd type="none" w="med" len="med"/>
+                    </a:lnR>
+                    <a:solidFill>
+                      <a:srgbClr val="33CCFF"/>
+                    </a:solidFill>
+                  </a:tcPr>
+                </a:tc>
+                <a:tc>
+                  <a:txBody>
+                    <a:bodyPr/>
+                    <a:lstStyle/>
+                    <a:p>
                       <a:pPr algn="ctr"/>
                       <a:r>
                         <a:rPr kumimoji="1" lang="ja-JP" altLang="en-US" sz="1050" b="0">
@@ -5080,6 +4515,15 @@
                     </a:p>
                   </a:txBody>
                   <a:tcPr anchor="ctr">
+                    <a:lnL w="38100" cap="flat" cmpd="sng" algn="ctr">
+                      <a:solidFill>
+                        <a:schemeClr val="bg1"/>
+                      </a:solidFill>
+                      <a:prstDash val="solid"/>
+                      <a:round/>
+                      <a:headEnd type="none" w="med" len="med"/>
+                      <a:tailEnd type="none" w="med" len="med"/>
+                    </a:lnL>
                     <a:solidFill>
                       <a:srgbClr val="FFCCCC"/>
                     </a:solidFill>
@@ -5121,6 +4565,40 @@
                     <a:bodyPr/>
                     <a:lstStyle/>
                     <a:p>
+                      <a:pPr algn="l"/>
+                      <a:r>
+                        <a:rPr kumimoji="1" lang="en-US" altLang="ja-JP" sz="1050" b="0" dirty="0">
+                          <a:latin typeface="メイリオ" panose="020B0604030504040204" pitchFamily="50" charset="-128"/>
+                          <a:ea typeface="メイリオ" panose="020B0604030504040204" pitchFamily="50" charset="-128"/>
+                        </a:rPr>
+                        <a:t>C</a:t>
+                      </a:r>
+                      <a:endParaRPr kumimoji="1" lang="ja-JP" altLang="en-US" sz="1050" b="0" dirty="0">
+                        <a:latin typeface="メイリオ" panose="020B0604030504040204" pitchFamily="50" charset="-128"/>
+                        <a:ea typeface="メイリオ" panose="020B0604030504040204" pitchFamily="50" charset="-128"/>
+                      </a:endParaRPr>
+                    </a:p>
+                  </a:txBody>
+                  <a:tcPr anchor="ctr">
+                    <a:lnR w="38100" cap="flat" cmpd="sng" algn="ctr">
+                      <a:solidFill>
+                        <a:schemeClr val="bg1"/>
+                      </a:solidFill>
+                      <a:prstDash val="solid"/>
+                      <a:round/>
+                      <a:headEnd type="none" w="med" len="med"/>
+                      <a:tailEnd type="none" w="med" len="med"/>
+                    </a:lnR>
+                    <a:solidFill>
+                      <a:srgbClr val="33CCFF"/>
+                    </a:solidFill>
+                  </a:tcPr>
+                </a:tc>
+                <a:tc>
+                  <a:txBody>
+                    <a:bodyPr/>
+                    <a:lstStyle/>
+                    <a:p>
                       <a:pPr algn="ctr"/>
                       <a:r>
                         <a:rPr kumimoji="1" lang="ja-JP" altLang="en-US" sz="1050" b="0" dirty="0">
@@ -5132,6 +4610,15 @@
                     </a:p>
                   </a:txBody>
                   <a:tcPr anchor="ctr">
+                    <a:lnL w="38100" cap="flat" cmpd="sng" algn="ctr">
+                      <a:solidFill>
+                        <a:schemeClr val="bg1"/>
+                      </a:solidFill>
+                      <a:prstDash val="solid"/>
+                      <a:round/>
+                      <a:headEnd type="none" w="med" len="med"/>
+                      <a:tailEnd type="none" w="med" len="med"/>
+                    </a:lnL>
                     <a:solidFill>
                       <a:srgbClr val="FFFFCC"/>
                     </a:solidFill>
@@ -5173,6 +4660,40 @@
                     <a:bodyPr/>
                     <a:lstStyle/>
                     <a:p>
+                      <a:pPr algn="l"/>
+                      <a:r>
+                        <a:rPr kumimoji="1" lang="en-US" altLang="ja-JP" sz="1050" b="0" dirty="0">
+                          <a:latin typeface="メイリオ" panose="020B0604030504040204" pitchFamily="50" charset="-128"/>
+                          <a:ea typeface="メイリオ" panose="020B0604030504040204" pitchFamily="50" charset="-128"/>
+                        </a:rPr>
+                        <a:t>C1</a:t>
+                      </a:r>
+                      <a:endParaRPr kumimoji="1" lang="ja-JP" altLang="en-US" sz="1050" b="0" dirty="0">
+                        <a:latin typeface="メイリオ" panose="020B0604030504040204" pitchFamily="50" charset="-128"/>
+                        <a:ea typeface="メイリオ" panose="020B0604030504040204" pitchFamily="50" charset="-128"/>
+                      </a:endParaRPr>
+                    </a:p>
+                  </a:txBody>
+                  <a:tcPr anchor="ctr">
+                    <a:lnR w="38100" cap="flat" cmpd="sng" algn="ctr">
+                      <a:solidFill>
+                        <a:schemeClr val="bg1"/>
+                      </a:solidFill>
+                      <a:prstDash val="solid"/>
+                      <a:round/>
+                      <a:headEnd type="none" w="med" len="med"/>
+                      <a:tailEnd type="none" w="med" len="med"/>
+                    </a:lnR>
+                    <a:solidFill>
+                      <a:srgbClr val="33CCFF"/>
+                    </a:solidFill>
+                  </a:tcPr>
+                </a:tc>
+                <a:tc>
+                  <a:txBody>
+                    <a:bodyPr/>
+                    <a:lstStyle/>
+                    <a:p>
                       <a:pPr algn="ctr"/>
                       <a:r>
                         <a:rPr kumimoji="1" lang="en-US" altLang="ja-JP" sz="1050" b="0" dirty="0">
@@ -5191,6 +4712,15 @@
                     </a:p>
                   </a:txBody>
                   <a:tcPr anchor="ctr">
+                    <a:lnL w="38100" cap="flat" cmpd="sng" algn="ctr">
+                      <a:solidFill>
+                        <a:schemeClr val="bg1"/>
+                      </a:solidFill>
+                      <a:prstDash val="solid"/>
+                      <a:round/>
+                      <a:headEnd type="none" w="med" len="med"/>
+                      <a:tailEnd type="none" w="med" len="med"/>
+                    </a:lnL>
                     <a:solidFill>
                       <a:srgbClr val="FFFFCC"/>
                     </a:solidFill>
@@ -5239,6 +4769,40 @@
                     <a:bodyPr/>
                     <a:lstStyle/>
                     <a:p>
+                      <a:pPr algn="l"/>
+                      <a:r>
+                        <a:rPr kumimoji="1" lang="en-US" altLang="ja-JP" sz="1050" b="0" dirty="0">
+                          <a:latin typeface="メイリオ" panose="020B0604030504040204" pitchFamily="50" charset="-128"/>
+                          <a:ea typeface="メイリオ" panose="020B0604030504040204" pitchFamily="50" charset="-128"/>
+                        </a:rPr>
+                        <a:t>C2</a:t>
+                      </a:r>
+                      <a:endParaRPr kumimoji="1" lang="ja-JP" altLang="en-US" sz="1050" b="0" dirty="0">
+                        <a:latin typeface="メイリオ" panose="020B0604030504040204" pitchFamily="50" charset="-128"/>
+                        <a:ea typeface="メイリオ" panose="020B0604030504040204" pitchFamily="50" charset="-128"/>
+                      </a:endParaRPr>
+                    </a:p>
+                  </a:txBody>
+                  <a:tcPr anchor="ctr">
+                    <a:lnR w="38100" cap="flat" cmpd="sng" algn="ctr">
+                      <a:solidFill>
+                        <a:schemeClr val="bg1"/>
+                      </a:solidFill>
+                      <a:prstDash val="solid"/>
+                      <a:round/>
+                      <a:headEnd type="none" w="med" len="med"/>
+                      <a:tailEnd type="none" w="med" len="med"/>
+                    </a:lnR>
+                    <a:solidFill>
+                      <a:srgbClr val="33CCFF"/>
+                    </a:solidFill>
+                  </a:tcPr>
+                </a:tc>
+                <a:tc>
+                  <a:txBody>
+                    <a:bodyPr/>
+                    <a:lstStyle/>
+                    <a:p>
                       <a:pPr algn="ctr"/>
                       <a:r>
                         <a:rPr kumimoji="1" lang="ja-JP" altLang="en-US" sz="1050" b="0" dirty="0">
@@ -5250,6 +4814,15 @@
                     </a:p>
                   </a:txBody>
                   <a:tcPr anchor="ctr">
+                    <a:lnL w="38100" cap="flat" cmpd="sng" algn="ctr">
+                      <a:solidFill>
+                        <a:schemeClr val="bg1"/>
+                      </a:solidFill>
+                      <a:prstDash val="solid"/>
+                      <a:round/>
+                      <a:headEnd type="none" w="med" len="med"/>
+                      <a:tailEnd type="none" w="med" len="med"/>
+                    </a:lnL>
                     <a:solidFill>
                       <a:srgbClr val="FFFFCC"/>
                     </a:solidFill>
@@ -5291,6 +4864,40 @@
                     <a:bodyPr/>
                     <a:lstStyle/>
                     <a:p>
+                      <a:pPr algn="l"/>
+                      <a:r>
+                        <a:rPr kumimoji="1" lang="en-US" altLang="ja-JP" sz="1050" b="0" dirty="0">
+                          <a:latin typeface="メイリオ" panose="020B0604030504040204" pitchFamily="50" charset="-128"/>
+                          <a:ea typeface="メイリオ" panose="020B0604030504040204" pitchFamily="50" charset="-128"/>
+                        </a:rPr>
+                        <a:t>C2a</a:t>
+                      </a:r>
+                      <a:endParaRPr kumimoji="1" lang="ja-JP" altLang="en-US" sz="1050" b="0" dirty="0">
+                        <a:latin typeface="メイリオ" panose="020B0604030504040204" pitchFamily="50" charset="-128"/>
+                        <a:ea typeface="メイリオ" panose="020B0604030504040204" pitchFamily="50" charset="-128"/>
+                      </a:endParaRPr>
+                    </a:p>
+                  </a:txBody>
+                  <a:tcPr anchor="ctr">
+                    <a:lnR w="38100" cap="flat" cmpd="sng" algn="ctr">
+                      <a:solidFill>
+                        <a:schemeClr val="bg1"/>
+                      </a:solidFill>
+                      <a:prstDash val="solid"/>
+                      <a:round/>
+                      <a:headEnd type="none" w="med" len="med"/>
+                      <a:tailEnd type="none" w="med" len="med"/>
+                    </a:lnR>
+                    <a:solidFill>
+                      <a:srgbClr val="33CCFF"/>
+                    </a:solidFill>
+                  </a:tcPr>
+                </a:tc>
+                <a:tc>
+                  <a:txBody>
+                    <a:bodyPr/>
+                    <a:lstStyle/>
+                    <a:p>
                       <a:pPr algn="ctr"/>
                       <a:r>
                         <a:rPr kumimoji="1" lang="ja-JP" altLang="en-US" sz="1050" b="0" dirty="0">
@@ -5327,6 +4934,15 @@
                     </a:p>
                   </a:txBody>
                   <a:tcPr anchor="ctr">
+                    <a:lnL w="38100" cap="flat" cmpd="sng" algn="ctr">
+                      <a:solidFill>
+                        <a:schemeClr val="bg1"/>
+                      </a:solidFill>
+                      <a:prstDash val="solid"/>
+                      <a:round/>
+                      <a:headEnd type="none" w="med" len="med"/>
+                      <a:tailEnd type="none" w="med" len="med"/>
+                    </a:lnL>
                     <a:solidFill>
                       <a:srgbClr val="FFFFCC"/>
                     </a:solidFill>
@@ -5382,6 +4998,40 @@
                     <a:bodyPr/>
                     <a:lstStyle/>
                     <a:p>
+                      <a:pPr algn="l"/>
+                      <a:r>
+                        <a:rPr kumimoji="1" lang="en-US" altLang="ja-JP" sz="1050" b="0" dirty="0">
+                          <a:latin typeface="メイリオ" panose="020B0604030504040204" pitchFamily="50" charset="-128"/>
+                          <a:ea typeface="メイリオ" panose="020B0604030504040204" pitchFamily="50" charset="-128"/>
+                        </a:rPr>
+                        <a:t>I</a:t>
+                      </a:r>
+                      <a:endParaRPr kumimoji="1" lang="ja-JP" altLang="en-US" sz="1050" b="0" dirty="0">
+                        <a:latin typeface="メイリオ" panose="020B0604030504040204" pitchFamily="50" charset="-128"/>
+                        <a:ea typeface="メイリオ" panose="020B0604030504040204" pitchFamily="50" charset="-128"/>
+                      </a:endParaRPr>
+                    </a:p>
+                  </a:txBody>
+                  <a:tcPr anchor="ctr">
+                    <a:lnR w="38100" cap="flat" cmpd="sng" algn="ctr">
+                      <a:solidFill>
+                        <a:schemeClr val="bg1"/>
+                      </a:solidFill>
+                      <a:prstDash val="solid"/>
+                      <a:round/>
+                      <a:headEnd type="none" w="med" len="med"/>
+                      <a:tailEnd type="none" w="med" len="med"/>
+                    </a:lnR>
+                    <a:solidFill>
+                      <a:srgbClr val="33CCFF"/>
+                    </a:solidFill>
+                  </a:tcPr>
+                </a:tc>
+                <a:tc>
+                  <a:txBody>
+                    <a:bodyPr/>
+                    <a:lstStyle/>
+                    <a:p>
                       <a:pPr algn="ctr"/>
                       <a:r>
                         <a:rPr kumimoji="1" lang="ja-JP" altLang="en-US" sz="1050" b="0" dirty="0">
@@ -5393,6 +5043,15 @@
                     </a:p>
                   </a:txBody>
                   <a:tcPr anchor="ctr">
+                    <a:lnL w="38100" cap="flat" cmpd="sng" algn="ctr">
+                      <a:solidFill>
+                        <a:schemeClr val="bg1"/>
+                      </a:solidFill>
+                      <a:prstDash val="solid"/>
+                      <a:round/>
+                      <a:headEnd type="none" w="med" len="med"/>
+                      <a:tailEnd type="none" w="med" len="med"/>
+                    </a:lnL>
                     <a:solidFill>
                       <a:srgbClr val="CCFFCC"/>
                     </a:solidFill>
@@ -5404,7 +5063,7 @@
                     <a:lstStyle/>
                     <a:p>
                       <a:r>
-                        <a:rPr kumimoji="1" lang="ja-JP" altLang="en-US" sz="1050" b="0">
+                        <a:rPr kumimoji="1" lang="ja-JP" altLang="en-US" sz="1050" b="0" dirty="0">
                           <a:latin typeface="メイリオ" panose="020B0604030504040204" pitchFamily="50" charset="-128"/>
                           <a:ea typeface="メイリオ" panose="020B0604030504040204" pitchFamily="50" charset="-128"/>
                         </a:rPr>
@@ -5428,33 +5087,19 @@
                   </a:ext>
                 </a:extLst>
               </a:tr>
-              <a:tr h="463035">
+              <a:tr h="282966">
                 <a:tc>
                   <a:txBody>
                     <a:bodyPr/>
                     <a:lstStyle/>
                     <a:p>
-                      <a:pPr algn="ctr"/>
+                      <a:pPr algn="l"/>
                       <a:r>
-                        <a:rPr kumimoji="1" lang="ja-JP" altLang="en-US" sz="1050" b="0">
+                        <a:rPr kumimoji="1" lang="en-US" altLang="ja-JP" sz="1050" b="0" dirty="0">
                           <a:latin typeface="メイリオ" panose="020B0604030504040204" pitchFamily="50" charset="-128"/>
                           <a:ea typeface="メイリオ" panose="020B0604030504040204" pitchFamily="50" charset="-128"/>
                         </a:rPr>
-                        <a:t>ライントレーサ用</a:t>
-                      </a:r>
-                      <a:endParaRPr kumimoji="1" lang="en-US" altLang="ja-JP" sz="1050" b="0" dirty="0">
-                        <a:latin typeface="メイリオ" panose="020B0604030504040204" pitchFamily="50" charset="-128"/>
-                        <a:ea typeface="メイリオ" panose="020B0604030504040204" pitchFamily="50" charset="-128"/>
-                      </a:endParaRPr>
-                    </a:p>
-                    <a:p>
-                      <a:pPr algn="ctr"/>
-                      <a:r>
-                        <a:rPr kumimoji="1" lang="ja-JP" altLang="en-US" sz="1050" b="0">
-                          <a:latin typeface="メイリオ" panose="020B0604030504040204" pitchFamily="50" charset="-128"/>
-                          <a:ea typeface="メイリオ" panose="020B0604030504040204" pitchFamily="50" charset="-128"/>
-                        </a:rPr>
-                        <a:t>計器</a:t>
+                        <a:t>I1</a:t>
                       </a:r>
                       <a:endParaRPr kumimoji="1" lang="ja-JP" altLang="en-US" sz="1050" b="0" dirty="0">
                         <a:latin typeface="メイリオ" panose="020B0604030504040204" pitchFamily="50" charset="-128"/>
@@ -5463,6 +5108,45 @@
                     </a:p>
                   </a:txBody>
                   <a:tcPr anchor="ctr">
+                    <a:lnR w="38100" cap="flat" cmpd="sng" algn="ctr">
+                      <a:solidFill>
+                        <a:schemeClr val="bg1"/>
+                      </a:solidFill>
+                      <a:prstDash val="solid"/>
+                      <a:round/>
+                      <a:headEnd type="none" w="med" len="med"/>
+                      <a:tailEnd type="none" w="med" len="med"/>
+                    </a:lnR>
+                    <a:solidFill>
+                      <a:srgbClr val="33CCFF"/>
+                    </a:solidFill>
+                  </a:tcPr>
+                </a:tc>
+                <a:tc>
+                  <a:txBody>
+                    <a:bodyPr/>
+                    <a:lstStyle/>
+                    <a:p>
+                      <a:pPr algn="ctr"/>
+                      <a:r>
+                        <a:rPr kumimoji="1" lang="ja-JP" altLang="en-US" sz="1050" b="0" dirty="0">
+                          <a:latin typeface="メイリオ" panose="020B0604030504040204" pitchFamily="50" charset="-128"/>
+                          <a:ea typeface="メイリオ" panose="020B0604030504040204" pitchFamily="50" charset="-128"/>
+                        </a:rPr>
+                        <a:t>区間管理用計器</a:t>
+                      </a:r>
+                    </a:p>
+                  </a:txBody>
+                  <a:tcPr anchor="ctr">
+                    <a:lnL w="38100" cap="flat" cmpd="sng" algn="ctr">
+                      <a:solidFill>
+                        <a:schemeClr val="bg1"/>
+                      </a:solidFill>
+                      <a:prstDash val="solid"/>
+                      <a:round/>
+                      <a:headEnd type="none" w="med" len="med"/>
+                      <a:tailEnd type="none" w="med" len="med"/>
+                    </a:lnL>
                     <a:solidFill>
                       <a:srgbClr val="CCFFCC"/>
                     </a:solidFill>
@@ -5474,16 +5158,103 @@
                     <a:lstStyle/>
                     <a:p>
                       <a:r>
-                        <a:rPr kumimoji="1" lang="ja-JP" altLang="en-US" sz="1050" b="0">
+                        <a:rPr kumimoji="1" lang="ja-JP" altLang="en-US" sz="1050" b="0" dirty="0">
+                          <a:latin typeface="メイリオ" panose="020B0604030504040204" pitchFamily="50" charset="-128"/>
+                          <a:ea typeface="メイリオ" panose="020B0604030504040204" pitchFamily="50" charset="-128"/>
+                        </a:rPr>
+                        <a:t>区間管理が使用する計器</a:t>
+                      </a:r>
+                    </a:p>
+                  </a:txBody>
+                  <a:tcPr anchor="ctr">
+                    <a:solidFill>
+                      <a:srgbClr val="CCFFCC"/>
+                    </a:solidFill>
+                  </a:tcPr>
+                </a:tc>
+                <a:extLst>
+                  <a:ext uri="{0D108BD9-81ED-4DB2-BD59-A6C34878D82A}">
+                    <a16:rowId xmlns:a16="http://schemas.microsoft.com/office/drawing/2014/main" val="1606777104"/>
+                  </a:ext>
+                </a:extLst>
+              </a:tr>
+              <a:tr h="463035">
+                <a:tc>
+                  <a:txBody>
+                    <a:bodyPr/>
+                    <a:lstStyle/>
+                    <a:p>
+                      <a:pPr algn="l"/>
+                      <a:r>
+                        <a:rPr kumimoji="1" lang="en-US" altLang="ja-JP" sz="1050" b="0" dirty="0">
+                          <a:latin typeface="メイリオ" panose="020B0604030504040204" pitchFamily="50" charset="-128"/>
+                          <a:ea typeface="メイリオ" panose="020B0604030504040204" pitchFamily="50" charset="-128"/>
+                        </a:rPr>
+                        <a:t>I2</a:t>
+                      </a:r>
+                      <a:endParaRPr kumimoji="1" lang="ja-JP" altLang="en-US" sz="1050" b="0" dirty="0">
+                        <a:latin typeface="メイリオ" panose="020B0604030504040204" pitchFamily="50" charset="-128"/>
+                        <a:ea typeface="メイリオ" panose="020B0604030504040204" pitchFamily="50" charset="-128"/>
+                      </a:endParaRPr>
+                    </a:p>
+                  </a:txBody>
+                  <a:tcPr anchor="ctr">
+                    <a:lnR w="38100" cap="flat" cmpd="sng" algn="ctr">
+                      <a:solidFill>
+                        <a:schemeClr val="bg1"/>
+                      </a:solidFill>
+                      <a:prstDash val="solid"/>
+                      <a:round/>
+                      <a:headEnd type="none" w="med" len="med"/>
+                      <a:tailEnd type="none" w="med" len="med"/>
+                    </a:lnR>
+                    <a:solidFill>
+                      <a:srgbClr val="33CCFF"/>
+                    </a:solidFill>
+                  </a:tcPr>
+                </a:tc>
+                <a:tc>
+                  <a:txBody>
+                    <a:bodyPr/>
+                    <a:lstStyle/>
+                    <a:p>
+                      <a:pPr algn="ctr"/>
+                      <a:r>
+                        <a:rPr kumimoji="1" lang="ja-JP" altLang="en-US" sz="1050" b="0" dirty="0">
+                          <a:latin typeface="メイリオ" panose="020B0604030504040204" pitchFamily="50" charset="-128"/>
+                          <a:ea typeface="メイリオ" panose="020B0604030504040204" pitchFamily="50" charset="-128"/>
+                        </a:rPr>
+                        <a:t>ライントレーサ用計器</a:t>
+                      </a:r>
+                    </a:p>
+                  </a:txBody>
+                  <a:tcPr anchor="ctr">
+                    <a:lnL w="38100" cap="flat" cmpd="sng" algn="ctr">
+                      <a:solidFill>
+                        <a:schemeClr val="bg1"/>
+                      </a:solidFill>
+                      <a:prstDash val="solid"/>
+                      <a:round/>
+                      <a:headEnd type="none" w="med" len="med"/>
+                      <a:tailEnd type="none" w="med" len="med"/>
+                    </a:lnL>
+                    <a:solidFill>
+                      <a:srgbClr val="CCFFCC"/>
+                    </a:solidFill>
+                  </a:tcPr>
+                </a:tc>
+                <a:tc>
+                  <a:txBody>
+                    <a:bodyPr/>
+                    <a:lstStyle/>
+                    <a:p>
+                      <a:r>
+                        <a:rPr kumimoji="1" lang="ja-JP" altLang="en-US" sz="1050" b="0" dirty="0">
                           <a:latin typeface="メイリオ" panose="020B0604030504040204" pitchFamily="50" charset="-128"/>
                           <a:ea typeface="メイリオ" panose="020B0604030504040204" pitchFamily="50" charset="-128"/>
                         </a:rPr>
                         <a:t>ライントレーサが使用する計器</a:t>
                       </a:r>
-                      <a:endParaRPr kumimoji="1" lang="ja-JP" altLang="en-US" sz="1050" b="0" dirty="0">
-                        <a:latin typeface="メイリオ" panose="020B0604030504040204" pitchFamily="50" charset="-128"/>
-                        <a:ea typeface="メイリオ" panose="020B0604030504040204" pitchFamily="50" charset="-128"/>
-                      </a:endParaRPr>
                     </a:p>
                   </a:txBody>
                   <a:tcPr anchor="ctr">
@@ -5504,13 +5275,13 @@
                     <a:bodyPr/>
                     <a:lstStyle/>
                     <a:p>
-                      <a:pPr algn="ctr"/>
+                      <a:pPr algn="l"/>
                       <a:r>
-                        <a:rPr kumimoji="1" lang="ja-JP" altLang="en-US" sz="1050" b="0">
+                        <a:rPr kumimoji="1" lang="en-US" altLang="ja-JP" sz="1050" b="0" dirty="0">
                           <a:latin typeface="メイリオ" panose="020B0604030504040204" pitchFamily="50" charset="-128"/>
                           <a:ea typeface="メイリオ" panose="020B0604030504040204" pitchFamily="50" charset="-128"/>
                         </a:rPr>
-                        <a:t>区間管理用計器</a:t>
+                        <a:t>I-a</a:t>
                       </a:r>
                       <a:endParaRPr kumimoji="1" lang="ja-JP" altLang="en-US" sz="1050" b="0" dirty="0">
                         <a:latin typeface="メイリオ" panose="020B0604030504040204" pitchFamily="50" charset="-128"/>
@@ -5519,42 +5290,20 @@
                     </a:p>
                   </a:txBody>
                   <a:tcPr anchor="ctr">
+                    <a:lnR w="38100" cap="flat" cmpd="sng" algn="ctr">
+                      <a:solidFill>
+                        <a:schemeClr val="bg1"/>
+                      </a:solidFill>
+                      <a:prstDash val="solid"/>
+                      <a:round/>
+                      <a:headEnd type="none" w="med" len="med"/>
+                      <a:tailEnd type="none" w="med" len="med"/>
+                    </a:lnR>
                     <a:solidFill>
-                      <a:srgbClr val="CCFFCC"/>
+                      <a:srgbClr val="33CCFF"/>
                     </a:solidFill>
                   </a:tcPr>
                 </a:tc>
-                <a:tc>
-                  <a:txBody>
-                    <a:bodyPr/>
-                    <a:lstStyle/>
-                    <a:p>
-                      <a:r>
-                        <a:rPr kumimoji="1" lang="ja-JP" altLang="en-US" sz="1050" b="0">
-                          <a:latin typeface="メイリオ" panose="020B0604030504040204" pitchFamily="50" charset="-128"/>
-                          <a:ea typeface="メイリオ" panose="020B0604030504040204" pitchFamily="50" charset="-128"/>
-                        </a:rPr>
-                        <a:t>区間管理が使用する計器</a:t>
-                      </a:r>
-                      <a:endParaRPr kumimoji="1" lang="ja-JP" altLang="en-US" sz="1050" b="0" dirty="0">
-                        <a:latin typeface="メイリオ" panose="020B0604030504040204" pitchFamily="50" charset="-128"/>
-                        <a:ea typeface="メイリオ" panose="020B0604030504040204" pitchFamily="50" charset="-128"/>
-                      </a:endParaRPr>
-                    </a:p>
-                  </a:txBody>
-                  <a:tcPr anchor="ctr">
-                    <a:solidFill>
-                      <a:srgbClr val="CCFFCC"/>
-                    </a:solidFill>
-                  </a:tcPr>
-                </a:tc>
-                <a:extLst>
-                  <a:ext uri="{0D108BD9-81ED-4DB2-BD59-A6C34878D82A}">
-                    <a16:rowId xmlns:a16="http://schemas.microsoft.com/office/drawing/2014/main" val="1619723522"/>
-                  </a:ext>
-                </a:extLst>
-              </a:tr>
-              <a:tr h="282966">
                 <a:tc>
                   <a:txBody>
                     <a:bodyPr/>
@@ -5571,6 +5320,15 @@
                     </a:p>
                   </a:txBody>
                   <a:tcPr anchor="ctr">
+                    <a:lnL w="38100" cap="flat" cmpd="sng" algn="ctr">
+                      <a:solidFill>
+                        <a:schemeClr val="bg1"/>
+                      </a:solidFill>
+                      <a:prstDash val="solid"/>
+                      <a:round/>
+                      <a:headEnd type="none" w="med" len="med"/>
+                      <a:tailEnd type="none" w="med" len="med"/>
+                    </a:lnL>
                     <a:solidFill>
                       <a:srgbClr val="CCFFCC"/>
                     </a:solidFill>
@@ -5582,16 +5340,12 @@
                     <a:lstStyle/>
                     <a:p>
                       <a:r>
-                        <a:rPr kumimoji="1" lang="ja-JP" altLang="en-US" sz="1050" b="0">
+                        <a:rPr kumimoji="1" lang="ja-JP" altLang="en-US" sz="1050" b="0" dirty="0">
                           <a:latin typeface="メイリオ" panose="020B0604030504040204" pitchFamily="50" charset="-128"/>
                           <a:ea typeface="メイリオ" panose="020B0604030504040204" pitchFamily="50" charset="-128"/>
                         </a:rPr>
                         <a:t>走行距離の計算</a:t>
                       </a:r>
-                      <a:endParaRPr kumimoji="1" lang="ja-JP" altLang="en-US" sz="1050" b="0" dirty="0">
-                        <a:latin typeface="メイリオ" panose="020B0604030504040204" pitchFamily="50" charset="-128"/>
-                        <a:ea typeface="メイリオ" panose="020B0604030504040204" pitchFamily="50" charset="-128"/>
-                      </a:endParaRPr>
                     </a:p>
                   </a:txBody>
                   <a:tcPr anchor="ctr">
@@ -5612,6 +5366,40 @@
                     <a:bodyPr/>
                     <a:lstStyle/>
                     <a:p>
+                      <a:pPr algn="l"/>
+                      <a:r>
+                        <a:rPr kumimoji="1" lang="en-US" altLang="ja-JP" sz="1050" b="0" dirty="0">
+                          <a:latin typeface="メイリオ" panose="020B0604030504040204" pitchFamily="50" charset="-128"/>
+                          <a:ea typeface="メイリオ" panose="020B0604030504040204" pitchFamily="50" charset="-128"/>
+                        </a:rPr>
+                        <a:t>I2b</a:t>
+                      </a:r>
+                      <a:endParaRPr kumimoji="1" lang="ja-JP" altLang="en-US" sz="1050" b="0" dirty="0">
+                        <a:latin typeface="メイリオ" panose="020B0604030504040204" pitchFamily="50" charset="-128"/>
+                        <a:ea typeface="メイリオ" panose="020B0604030504040204" pitchFamily="50" charset="-128"/>
+                      </a:endParaRPr>
+                    </a:p>
+                  </a:txBody>
+                  <a:tcPr anchor="ctr">
+                    <a:lnR w="38100" cap="flat" cmpd="sng" algn="ctr">
+                      <a:solidFill>
+                        <a:schemeClr val="bg1"/>
+                      </a:solidFill>
+                      <a:prstDash val="solid"/>
+                      <a:round/>
+                      <a:headEnd type="none" w="med" len="med"/>
+                      <a:tailEnd type="none" w="med" len="med"/>
+                    </a:lnR>
+                    <a:solidFill>
+                      <a:srgbClr val="33CCFF"/>
+                    </a:solidFill>
+                  </a:tcPr>
+                </a:tc>
+                <a:tc>
+                  <a:txBody>
+                    <a:bodyPr/>
+                    <a:lstStyle/>
+                    <a:p>
                       <a:pPr algn="ctr"/>
                       <a:r>
                         <a:rPr kumimoji="1" lang="ja-JP" altLang="en-US" sz="1050" b="0" dirty="0">
@@ -5623,6 +5411,15 @@
                     </a:p>
                   </a:txBody>
                   <a:tcPr anchor="ctr">
+                    <a:lnL w="38100" cap="flat" cmpd="sng" algn="ctr">
+                      <a:solidFill>
+                        <a:schemeClr val="bg1"/>
+                      </a:solidFill>
+                      <a:prstDash val="solid"/>
+                      <a:round/>
+                      <a:headEnd type="none" w="med" len="med"/>
+                      <a:tailEnd type="none" w="med" len="med"/>
+                    </a:lnL>
                     <a:solidFill>
                       <a:srgbClr val="CCFFCC"/>
                     </a:solidFill>
@@ -5664,6 +5461,40 @@
                     <a:bodyPr/>
                     <a:lstStyle/>
                     <a:p>
+                      <a:pPr algn="l"/>
+                      <a:r>
+                        <a:rPr kumimoji="1" lang="en-US" altLang="ja-JP" sz="1050" b="0" dirty="0">
+                          <a:latin typeface="メイリオ" panose="020B0604030504040204" pitchFamily="50" charset="-128"/>
+                          <a:ea typeface="メイリオ" panose="020B0604030504040204" pitchFamily="50" charset="-128"/>
+                        </a:rPr>
+                        <a:t>I2c</a:t>
+                      </a:r>
+                      <a:endParaRPr kumimoji="1" lang="ja-JP" altLang="en-US" sz="1050" b="0" dirty="0">
+                        <a:latin typeface="メイリオ" panose="020B0604030504040204" pitchFamily="50" charset="-128"/>
+                        <a:ea typeface="メイリオ" panose="020B0604030504040204" pitchFamily="50" charset="-128"/>
+                      </a:endParaRPr>
+                    </a:p>
+                  </a:txBody>
+                  <a:tcPr anchor="ctr">
+                    <a:lnR w="38100" cap="flat" cmpd="sng" algn="ctr">
+                      <a:solidFill>
+                        <a:schemeClr val="bg1"/>
+                      </a:solidFill>
+                      <a:prstDash val="solid"/>
+                      <a:round/>
+                      <a:headEnd type="none" w="med" len="med"/>
+                      <a:tailEnd type="none" w="med" len="med"/>
+                    </a:lnR>
+                    <a:solidFill>
+                      <a:srgbClr val="33CCFF"/>
+                    </a:solidFill>
+                  </a:tcPr>
+                </a:tc>
+                <a:tc>
+                  <a:txBody>
+                    <a:bodyPr/>
+                    <a:lstStyle/>
+                    <a:p>
                       <a:pPr algn="ctr"/>
                       <a:r>
                         <a:rPr kumimoji="1" lang="ja-JP" altLang="en-US" sz="1050" b="0" dirty="0">
@@ -5675,6 +5506,15 @@
                     </a:p>
                   </a:txBody>
                   <a:tcPr anchor="ctr">
+                    <a:lnL w="38100" cap="flat" cmpd="sng" algn="ctr">
+                      <a:solidFill>
+                        <a:schemeClr val="bg1"/>
+                      </a:solidFill>
+                      <a:prstDash val="solid"/>
+                      <a:round/>
+                      <a:headEnd type="none" w="med" len="med"/>
+                      <a:tailEnd type="none" w="med" len="med"/>
+                    </a:lnL>
                     <a:solidFill>
                       <a:srgbClr val="CCFFCC"/>
                     </a:solidFill>
@@ -5711,6 +5551,76 @@
                 </a:extLst>
               </a:tr>
               <a:tr h="282966">
+                <a:tc>
+                  <a:txBody>
+                    <a:bodyPr/>
+                    <a:lstStyle/>
+                    <a:p>
+                      <a:pPr marL="0" marR="0" lvl="0" indent="0" algn="l" defTabSz="914400" rtl="0" eaLnBrk="1" fontAlgn="auto" latinLnBrk="0" hangingPunct="1">
+                        <a:lnSpc>
+                          <a:spcPct val="100000"/>
+                        </a:lnSpc>
+                        <a:spcBef>
+                          <a:spcPts val="0"/>
+                        </a:spcBef>
+                        <a:spcAft>
+                          <a:spcPts val="0"/>
+                        </a:spcAft>
+                        <a:buClrTx/>
+                        <a:buSzTx/>
+                        <a:buFontTx/>
+                        <a:buNone/>
+                        <a:tabLst/>
+                        <a:defRPr/>
+                      </a:pPr>
+                      <a:r>
+                        <a:rPr kumimoji="1" lang="en-US" altLang="ja-JP" sz="1050" b="0" i="0" u="none" strike="noStrike" kern="1200" cap="none" spc="0" normalizeH="0" baseline="0" noProof="0" dirty="0">
+                          <a:ln>
+                            <a:noFill/>
+                          </a:ln>
+                          <a:solidFill>
+                            <a:prstClr val="black"/>
+                          </a:solidFill>
+                          <a:effectLst/>
+                          <a:uLnTx/>
+                          <a:uFillTx/>
+                          <a:latin typeface="メイリオ" panose="020B0604030504040204" pitchFamily="50" charset="-128"/>
+                          <a:ea typeface="メイリオ" panose="020B0604030504040204" pitchFamily="50" charset="-128"/>
+                          <a:cs typeface="+mn-cs"/>
+                        </a:rPr>
+                        <a:t>I2d</a:t>
+                      </a:r>
+                      <a:endParaRPr kumimoji="1" lang="ja-JP" altLang="en-US" sz="1050" b="0" i="0" u="none" strike="noStrike" kern="1200" cap="none" spc="0" normalizeH="0" baseline="0" noProof="0" dirty="0">
+                        <a:ln>
+                          <a:noFill/>
+                        </a:ln>
+                        <a:solidFill>
+                          <a:prstClr val="black"/>
+                        </a:solidFill>
+                        <a:effectLst/>
+                        <a:uLnTx/>
+                        <a:uFillTx/>
+                        <a:latin typeface="メイリオ" panose="020B0604030504040204" pitchFamily="50" charset="-128"/>
+                        <a:ea typeface="メイリオ" panose="020B0604030504040204" pitchFamily="50" charset="-128"/>
+                        <a:cs typeface="+mn-cs"/>
+                      </a:endParaRPr>
+                    </a:p>
+                  </a:txBody>
+                  <a:tcPr anchor="ctr">
+                    <a:lnR w="38100" cap="flat" cmpd="sng" algn="ctr">
+                      <a:solidFill>
+                        <a:schemeClr val="bg1"/>
+                      </a:solidFill>
+                      <a:prstDash val="solid"/>
+                      <a:round/>
+                      <a:headEnd type="none" w="med" len="med"/>
+                      <a:tailEnd type="none" w="med" len="med"/>
+                    </a:lnR>
+                    <a:solidFill>
+                      <a:srgbClr val="33CCFF"/>
+                    </a:solidFill>
+                  </a:tcPr>
+                </a:tc>
                 <a:tc>
                   <a:txBody>
                     <a:bodyPr/>
@@ -5753,6 +5663,15 @@
                     </a:p>
                   </a:txBody>
                   <a:tcPr anchor="ctr">
+                    <a:lnL w="38100" cap="flat" cmpd="sng" algn="ctr">
+                      <a:solidFill>
+                        <a:schemeClr val="bg1"/>
+                      </a:solidFill>
+                      <a:prstDash val="solid"/>
+                      <a:round/>
+                      <a:headEnd type="none" w="med" len="med"/>
+                      <a:tailEnd type="none" w="med" len="med"/>
+                    </a:lnL>
                     <a:solidFill>
                       <a:srgbClr val="CCFFCC"/>
                     </a:solidFill>
@@ -5781,7 +5700,7 @@
                         <a:defRPr/>
                       </a:pPr>
                       <a:r>
-                        <a:rPr kumimoji="1" lang="ja-JP" altLang="en-US" sz="1050" b="0" i="0" u="none" strike="noStrike" kern="1200" cap="none" spc="0" normalizeH="0" baseline="0" noProof="0">
+                        <a:rPr kumimoji="1" lang="ja-JP" altLang="en-US" sz="1050" b="0" i="0" u="none" strike="noStrike" kern="1200" cap="none" spc="0" normalizeH="0" baseline="0" noProof="0" dirty="0">
                           <a:ln>
                             <a:noFill/>
                           </a:ln>
@@ -5797,20 +5716,6 @@
                         </a:rPr>
                         <a:t>電圧の測定</a:t>
                       </a:r>
-                      <a:endParaRPr kumimoji="1" lang="ja-JP" altLang="en-US" sz="1050" b="0" i="0" u="none" strike="noStrike" kern="1200" cap="none" spc="0" normalizeH="0" baseline="0" noProof="0" dirty="0">
-                        <a:ln>
-                          <a:noFill/>
-                        </a:ln>
-                        <a:solidFill>
-                          <a:prstClr val="black"/>
-                        </a:solidFill>
-                        <a:effectLst/>
-                        <a:uLnTx/>
-                        <a:uFillTx/>
-                        <a:latin typeface="メイリオ" panose="020B0604030504040204" pitchFamily="50" charset="-128"/>
-                        <a:ea typeface="メイリオ" panose="020B0604030504040204" pitchFamily="50" charset="-128"/>
-                        <a:cs typeface="+mn-cs"/>
-                      </a:endParaRPr>
                     </a:p>
                   </a:txBody>
                   <a:tcPr anchor="ctr">
@@ -5857,45 +5762,137 @@
           </a:bodyPr>
           <a:lstStyle/>
           <a:p>
-            <a:pPr algn="ctr"/>
+            <a:pPr marL="0" marR="0" lvl="0" indent="0" algn="ctr" defTabSz="914400" rtl="0" eaLnBrk="1" fontAlgn="base" latinLnBrk="0" hangingPunct="1">
+              <a:lnSpc>
+                <a:spcPct val="100000"/>
+              </a:lnSpc>
+              <a:spcBef>
+                <a:spcPct val="0"/>
+              </a:spcBef>
+              <a:spcAft>
+                <a:spcPct val="0"/>
+              </a:spcAft>
+              <a:buClrTx/>
+              <a:buSzTx/>
+              <a:buFontTx/>
+              <a:buNone/>
+              <a:tabLst/>
+              <a:defRPr/>
+            </a:pPr>
             <a:r>
-              <a:rPr lang="ja-JP" altLang="en-US" sz="1100">
+              <a:rPr kumimoji="1" lang="ja-JP" altLang="en-US" sz="1100" b="0" i="0" u="none" strike="noStrike" kern="1200" cap="none" spc="0" normalizeH="0" baseline="0" noProof="0">
+                <a:ln>
+                  <a:noFill/>
+                </a:ln>
+                <a:solidFill>
+                  <a:prstClr val="black"/>
+                </a:solidFill>
+                <a:effectLst/>
+                <a:uLnTx/>
+                <a:uFillTx/>
                 <a:latin typeface="メイリオ" panose="020B0604030504040204" pitchFamily="50" charset="-128"/>
                 <a:ea typeface="メイリオ" panose="020B0604030504040204" pitchFamily="50" charset="-128"/>
+                <a:cs typeface="+mn-cs"/>
               </a:rPr>
               <a:t>タスクの説明は</a:t>
             </a:r>
-            <a:endParaRPr lang="en-US" altLang="ja-JP" sz="1100" dirty="0">
+            <a:endParaRPr kumimoji="1" lang="en-US" altLang="ja-JP" sz="1100" b="0" i="0" u="none" strike="noStrike" kern="1200" cap="none" spc="0" normalizeH="0" baseline="0" noProof="0" dirty="0">
+              <a:ln>
+                <a:noFill/>
+              </a:ln>
+              <a:solidFill>
+                <a:prstClr val="black"/>
+              </a:solidFill>
+              <a:effectLst/>
+              <a:uLnTx/>
+              <a:uFillTx/>
               <a:latin typeface="メイリオ" panose="020B0604030504040204" pitchFamily="50" charset="-128"/>
               <a:ea typeface="メイリオ" panose="020B0604030504040204" pitchFamily="50" charset="-128"/>
+              <a:cs typeface="+mn-cs"/>
             </a:endParaRPr>
           </a:p>
           <a:p>
-            <a:pPr algn="ctr"/>
+            <a:pPr marL="0" marR="0" lvl="0" indent="0" algn="ctr" defTabSz="914400" rtl="0" eaLnBrk="1" fontAlgn="base" latinLnBrk="0" hangingPunct="1">
+              <a:lnSpc>
+                <a:spcPct val="100000"/>
+              </a:lnSpc>
+              <a:spcBef>
+                <a:spcPct val="0"/>
+              </a:spcBef>
+              <a:spcAft>
+                <a:spcPct val="0"/>
+              </a:spcAft>
+              <a:buClrTx/>
+              <a:buSzTx/>
+              <a:buFontTx/>
+              <a:buNone/>
+              <a:tabLst/>
+              <a:defRPr/>
+            </a:pPr>
             <a:r>
-              <a:rPr lang="ja-JP" altLang="en-US" sz="1100">
+              <a:rPr kumimoji="1" lang="ja-JP" altLang="en-US" sz="1100" b="0" i="0" u="none" strike="noStrike" kern="1200" cap="none" spc="0" normalizeH="0" baseline="0" noProof="0">
+                <a:ln>
+                  <a:noFill/>
+                </a:ln>
+                <a:solidFill>
+                  <a:prstClr val="black"/>
+                </a:solidFill>
+                <a:effectLst/>
+                <a:uLnTx/>
+                <a:uFillTx/>
                 <a:latin typeface="メイリオ" panose="020B0604030504040204" pitchFamily="50" charset="-128"/>
                 <a:ea typeface="メイリオ" panose="020B0604030504040204" pitchFamily="50" charset="-128"/>
+                <a:cs typeface="+mn-cs"/>
               </a:rPr>
               <a:t>「１．機能モデル」</a:t>
             </a:r>
             <a:r>
-              <a:rPr lang="en-US" altLang="ja-JP" sz="1100" dirty="0">
+              <a:rPr kumimoji="1" lang="en-US" altLang="ja-JP" sz="1100" b="0" i="0" u="none" strike="noStrike" kern="1200" cap="none" spc="0" normalizeH="0" baseline="0" noProof="0" dirty="0">
+                <a:ln>
+                  <a:noFill/>
+                </a:ln>
+                <a:solidFill>
+                  <a:prstClr val="black"/>
+                </a:solidFill>
+                <a:effectLst/>
+                <a:uLnTx/>
+                <a:uFillTx/>
                 <a:latin typeface="メイリオ" panose="020B0604030504040204" pitchFamily="50" charset="-128"/>
                 <a:ea typeface="メイリオ" panose="020B0604030504040204" pitchFamily="50" charset="-128"/>
+                <a:cs typeface="+mn-cs"/>
               </a:rPr>
               <a:t> </a:t>
             </a:r>
             <a:r>
-              <a:rPr lang="ja-JP" altLang="en-US" sz="1100">
+              <a:rPr kumimoji="1" lang="ja-JP" altLang="en-US" sz="1100" b="0" i="0" u="none" strike="noStrike" kern="1200" cap="none" spc="0" normalizeH="0" baseline="0" noProof="0">
+                <a:ln>
+                  <a:noFill/>
+                </a:ln>
+                <a:solidFill>
+                  <a:prstClr val="black"/>
+                </a:solidFill>
+                <a:effectLst/>
+                <a:uLnTx/>
+                <a:uFillTx/>
                 <a:latin typeface="メイリオ" panose="020B0604030504040204" pitchFamily="50" charset="-128"/>
                 <a:ea typeface="メイリオ" panose="020B0604030504040204" pitchFamily="50" charset="-128"/>
+                <a:cs typeface="+mn-cs"/>
               </a:rPr>
               <a:t>へ</a:t>
             </a:r>
-            <a:endParaRPr kumimoji="1" lang="en-US" altLang="ja-JP" sz="1100" dirty="0">
+            <a:endParaRPr kumimoji="1" lang="en-US" altLang="ja-JP" sz="1100" b="0" i="0" u="none" strike="noStrike" kern="1200" cap="none" spc="0" normalizeH="0" baseline="0" noProof="0" dirty="0">
+              <a:ln>
+                <a:noFill/>
+              </a:ln>
+              <a:solidFill>
+                <a:prstClr val="black"/>
+              </a:solidFill>
+              <a:effectLst/>
+              <a:uLnTx/>
+              <a:uFillTx/>
               <a:latin typeface="メイリオ" panose="020B0604030504040204" pitchFamily="50" charset="-128"/>
               <a:ea typeface="メイリオ" panose="020B0604030504040204" pitchFamily="50" charset="-128"/>
+              <a:cs typeface="+mn-cs"/>
             </a:endParaRPr>
           </a:p>
         </p:txBody>
@@ -5949,11 +5946,36 @@
           <a:bodyPr rtlCol="0" anchor="ctr"/>
           <a:lstStyle/>
           <a:p>
-            <a:pPr algn="ctr"/>
-            <a:endParaRPr kumimoji="1" lang="ja-JP" altLang="en-US">
+            <a:pPr marL="0" marR="0" lvl="0" indent="0" algn="ctr" defTabSz="914400" rtl="0" eaLnBrk="1" fontAlgn="base" latinLnBrk="0" hangingPunct="1">
+              <a:lnSpc>
+                <a:spcPct val="100000"/>
+              </a:lnSpc>
+              <a:spcBef>
+                <a:spcPct val="0"/>
+              </a:spcBef>
+              <a:spcAft>
+                <a:spcPct val="0"/>
+              </a:spcAft>
+              <a:buClrTx/>
+              <a:buSzTx/>
+              <a:buFontTx/>
+              <a:buNone/>
+              <a:tabLst/>
+              <a:defRPr/>
+            </a:pPr>
+            <a:endParaRPr kumimoji="1" lang="ja-JP" altLang="en-US" sz="1600" b="0" i="0" u="none" strike="noStrike" kern="1200" cap="none" spc="0" normalizeH="0" baseline="0" noProof="0">
+              <a:ln>
+                <a:noFill/>
+              </a:ln>
               <a:solidFill>
-                <a:schemeClr val="tx1"/>
+                <a:prstClr val="black"/>
               </a:solidFill>
+              <a:effectLst/>
+              <a:uLnTx/>
+              <a:uFillTx/>
+              <a:latin typeface="游ゴシック" panose="020F0502020204030204"/>
+              <a:ea typeface="游ゴシック" panose="020B0400000000000000" pitchFamily="50" charset="-128"/>
+              <a:cs typeface="+mn-cs"/>
             </a:endParaRPr>
           </a:p>
         </p:txBody>
@@ -5986,53 +6008,229 @@
           </a:bodyPr>
           <a:lstStyle/>
           <a:p>
-            <a:pPr algn="ctr"/>
+            <a:pPr marL="0" marR="0" lvl="0" indent="0" algn="ctr" defTabSz="914400" rtl="0" eaLnBrk="1" fontAlgn="base" latinLnBrk="0" hangingPunct="1">
+              <a:lnSpc>
+                <a:spcPct val="100000"/>
+              </a:lnSpc>
+              <a:spcBef>
+                <a:spcPct val="0"/>
+              </a:spcBef>
+              <a:spcAft>
+                <a:spcPct val="0"/>
+              </a:spcAft>
+              <a:buClrTx/>
+              <a:buSzTx/>
+              <a:buFontTx/>
+              <a:buNone/>
+              <a:tabLst/>
+              <a:defRPr/>
+            </a:pPr>
             <a:r>
-              <a:rPr lang="ja-JP" altLang="en-US" sz="1100">
+              <a:rPr kumimoji="1" lang="ja-JP" altLang="en-US" sz="1100" b="0" i="0" u="none" strike="noStrike" kern="1200" cap="none" spc="0" normalizeH="0" baseline="0" noProof="0">
+                <a:ln>
+                  <a:noFill/>
+                </a:ln>
+                <a:solidFill>
+                  <a:prstClr val="black"/>
+                </a:solidFill>
+                <a:effectLst/>
+                <a:uLnTx/>
+                <a:uFillTx/>
                 <a:latin typeface="メイリオ" panose="020B0604030504040204" pitchFamily="50" charset="-128"/>
                 <a:ea typeface="メイリオ" panose="020B0604030504040204" pitchFamily="50" charset="-128"/>
+                <a:cs typeface="+mn-cs"/>
               </a:rPr>
               <a:t>区間パラメータリストの説明は</a:t>
             </a:r>
-            <a:endParaRPr lang="en-US" altLang="ja-JP" sz="1100" dirty="0">
+            <a:endParaRPr kumimoji="1" lang="en-US" altLang="ja-JP" sz="1100" b="0" i="0" u="none" strike="noStrike" kern="1200" cap="none" spc="0" normalizeH="0" baseline="0" noProof="0" dirty="0">
+              <a:ln>
+                <a:noFill/>
+              </a:ln>
+              <a:solidFill>
+                <a:prstClr val="black"/>
+              </a:solidFill>
+              <a:effectLst/>
+              <a:uLnTx/>
+              <a:uFillTx/>
               <a:latin typeface="メイリオ" panose="020B0604030504040204" pitchFamily="50" charset="-128"/>
               <a:ea typeface="メイリオ" panose="020B0604030504040204" pitchFamily="50" charset="-128"/>
+              <a:cs typeface="+mn-cs"/>
             </a:endParaRPr>
           </a:p>
           <a:p>
-            <a:pPr algn="ctr"/>
+            <a:pPr marL="0" marR="0" lvl="0" indent="0" algn="ctr" defTabSz="914400" rtl="0" eaLnBrk="1" fontAlgn="base" latinLnBrk="0" hangingPunct="1">
+              <a:lnSpc>
+                <a:spcPct val="100000"/>
+              </a:lnSpc>
+              <a:spcBef>
+                <a:spcPct val="0"/>
+              </a:spcBef>
+              <a:spcAft>
+                <a:spcPct val="0"/>
+              </a:spcAft>
+              <a:buClrTx/>
+              <a:buSzTx/>
+              <a:buFontTx/>
+              <a:buNone/>
+              <a:tabLst/>
+              <a:defRPr/>
+            </a:pPr>
             <a:r>
-              <a:rPr lang="ja-JP" altLang="en-US" sz="1100">
+              <a:rPr kumimoji="1" lang="ja-JP" altLang="en-US" sz="1100" b="0" i="0" u="none" strike="noStrike" kern="1200" cap="none" spc="0" normalizeH="0" baseline="0" noProof="0">
+                <a:ln>
+                  <a:noFill/>
+                </a:ln>
+                <a:solidFill>
+                  <a:prstClr val="black"/>
+                </a:solidFill>
+                <a:effectLst/>
+                <a:uLnTx/>
+                <a:uFillTx/>
                 <a:latin typeface="メイリオ" panose="020B0604030504040204" pitchFamily="50" charset="-128"/>
                 <a:ea typeface="メイリオ" panose="020B0604030504040204" pitchFamily="50" charset="-128"/>
+                <a:cs typeface="+mn-cs"/>
               </a:rPr>
               <a:t>「１．機能モデル」</a:t>
             </a:r>
             <a:r>
-              <a:rPr lang="en-US" altLang="ja-JP" sz="1100" dirty="0">
+              <a:rPr kumimoji="1" lang="en-US" altLang="ja-JP" sz="1100" b="0" i="0" u="none" strike="noStrike" kern="1200" cap="none" spc="0" normalizeH="0" baseline="0" noProof="0" dirty="0">
+                <a:ln>
+                  <a:noFill/>
+                </a:ln>
+                <a:solidFill>
+                  <a:prstClr val="black"/>
+                </a:solidFill>
+                <a:effectLst/>
+                <a:uLnTx/>
+                <a:uFillTx/>
                 <a:latin typeface="メイリオ" panose="020B0604030504040204" pitchFamily="50" charset="-128"/>
                 <a:ea typeface="メイリオ" panose="020B0604030504040204" pitchFamily="50" charset="-128"/>
+                <a:cs typeface="+mn-cs"/>
               </a:rPr>
               <a:t> </a:t>
             </a:r>
             <a:r>
-              <a:rPr lang="ja-JP" altLang="en-US" sz="1100">
+              <a:rPr kumimoji="1" lang="ja-JP" altLang="en-US" sz="1100" b="0" i="0" u="none" strike="noStrike" kern="1200" cap="none" spc="0" normalizeH="0" baseline="0" noProof="0">
+                <a:ln>
+                  <a:noFill/>
+                </a:ln>
+                <a:solidFill>
+                  <a:prstClr val="black"/>
+                </a:solidFill>
+                <a:effectLst/>
+                <a:uLnTx/>
+                <a:uFillTx/>
                 <a:latin typeface="メイリオ" panose="020B0604030504040204" pitchFamily="50" charset="-128"/>
                 <a:ea typeface="メイリオ" panose="020B0604030504040204" pitchFamily="50" charset="-128"/>
+                <a:cs typeface="+mn-cs"/>
               </a:rPr>
               <a:t>へ</a:t>
             </a:r>
-            <a:endParaRPr kumimoji="1" lang="en-US" altLang="ja-JP" sz="1100" dirty="0">
+            <a:endParaRPr kumimoji="1" lang="en-US" altLang="ja-JP" sz="1100" b="0" i="0" u="none" strike="noStrike" kern="1200" cap="none" spc="0" normalizeH="0" baseline="0" noProof="0" dirty="0">
+              <a:ln>
+                <a:noFill/>
+              </a:ln>
+              <a:solidFill>
+                <a:prstClr val="black"/>
+              </a:solidFill>
+              <a:effectLst/>
+              <a:uLnTx/>
+              <a:uFillTx/>
               <a:latin typeface="メイリオ" panose="020B0604030504040204" pitchFamily="50" charset="-128"/>
               <a:ea typeface="メイリオ" panose="020B0604030504040204" pitchFamily="50" charset="-128"/>
+              <a:cs typeface="+mn-cs"/>
             </a:endParaRPr>
           </a:p>
         </p:txBody>
       </p:sp>
+      <p:sp>
+        <p:nvSpPr>
+          <p:cNvPr id="48" name="テキスト ボックス 47">
+            <a:extLst>
+              <a:ext uri="{FF2B5EF4-FFF2-40B4-BE49-F238E27FC236}">
+                <a16:creationId xmlns:a16="http://schemas.microsoft.com/office/drawing/2014/main" id="{606F8DF5-340C-48E3-809F-A1138CA23CDE}"/>
+              </a:ext>
+            </a:extLst>
+          </p:cNvPr>
+          <p:cNvSpPr txBox="1"/>
+          <p:nvPr/>
+        </p:nvSpPr>
+        <p:spPr>
+          <a:xfrm>
+            <a:off x="10301946" y="109416"/>
+            <a:ext cx="2392114" cy="584775"/>
+          </a:xfrm>
+          <a:prstGeom prst="rect">
+            <a:avLst/>
+          </a:prstGeom>
+          <a:noFill/>
+        </p:spPr>
+        <p:txBody>
+          <a:bodyPr wrap="square" rtlCol="0">
+            <a:spAutoFit/>
+          </a:bodyPr>
+          <a:lstStyle/>
+          <a:p>
+            <a:r>
+              <a:rPr kumimoji="1" lang="en-US" altLang="ja-JP" sz="3200" b="1" dirty="0" err="1">
+                <a:solidFill>
+                  <a:srgbClr val="F600AA"/>
+                </a:solidFill>
+                <a:latin typeface="+mn-ea"/>
+                <a:ea typeface="+mn-ea"/>
+              </a:rPr>
+              <a:t>teamNITIC</a:t>
+            </a:r>
+            <a:endParaRPr kumimoji="1" lang="ja-JP" altLang="en-US" sz="3200" b="1" dirty="0">
+              <a:solidFill>
+                <a:srgbClr val="F600AA"/>
+              </a:solidFill>
+              <a:latin typeface="+mn-ea"/>
+              <a:ea typeface="+mn-ea"/>
+            </a:endParaRPr>
+          </a:p>
+        </p:txBody>
+      </p:sp>
+      <p:pic>
+        <p:nvPicPr>
+          <p:cNvPr id="20" name="図 19">
+            <a:extLst>
+              <a:ext uri="{FF2B5EF4-FFF2-40B4-BE49-F238E27FC236}">
+                <a16:creationId xmlns:a16="http://schemas.microsoft.com/office/drawing/2014/main" id="{96786181-6B00-47E4-8B6A-0CF79448AA80}"/>
+              </a:ext>
+            </a:extLst>
+          </p:cNvPr>
+          <p:cNvPicPr>
+            <a:picLocks noChangeAspect="1"/>
+          </p:cNvPicPr>
+          <p:nvPr/>
+        </p:nvPicPr>
+        <p:blipFill>
+          <a:blip r:embed="rId3">
+            <a:extLst>
+              <a:ext uri="{28A0092B-C50C-407E-A947-70E740481C1C}">
+                <a14:useLocalDpi xmlns:a14="http://schemas.microsoft.com/office/drawing/2010/main" val="0"/>
+              </a:ext>
+            </a:extLst>
+          </a:blip>
+          <a:stretch>
+            <a:fillRect/>
+          </a:stretch>
+        </p:blipFill>
+        <p:spPr>
+          <a:xfrm>
+            <a:off x="152846" y="1477944"/>
+            <a:ext cx="3677997" cy="1911400"/>
+          </a:xfrm>
+          <a:prstGeom prst="rect">
+            <a:avLst/>
+          </a:prstGeom>
+        </p:spPr>
+      </p:pic>
     </p:spTree>
     <p:extLst>
       <p:ext uri="{BB962C8B-B14F-4D97-AF65-F5344CB8AC3E}">
-        <p14:creationId xmlns:p14="http://schemas.microsoft.com/office/powerpoint/2010/main" val="3576191576"/>
+        <p14:creationId xmlns:p14="http://schemas.microsoft.com/office/powerpoint/2010/main" val="21665990"/>
       </p:ext>
     </p:extLst>
   </p:cSld>

--- a/PowerPoint/構造モデル.pptx
+++ b/PowerPoint/構造モデル.pptx
@@ -3126,7 +3126,7 @@
           <p:nvPr>
             <p:extLst>
               <p:ext uri="{D42A27DB-BD31-4B8C-83A1-F6EECF244321}">
-                <p14:modId xmlns:p14="http://schemas.microsoft.com/office/powerpoint/2010/main" val="1263370829"/>
+                <p14:modId xmlns:p14="http://schemas.microsoft.com/office/powerpoint/2010/main" val="1952942249"/>
               </p:ext>
             </p:extLst>
           </p:nvPr>
@@ -3174,7 +3174,11 @@
                       <a:endParaRPr kumimoji="1" lang="ja-JP" altLang="en-US" sz="1050" dirty="0"/>
                     </a:p>
                   </a:txBody>
-                  <a:tcPr anchor="ctr"/>
+                  <a:tcPr anchor="ctr">
+                    <a:solidFill>
+                      <a:schemeClr val="bg1"/>
+                    </a:solidFill>
+                  </a:tcPr>
                 </a:tc>
                 <a:tc>
                   <a:txBody>
